--- a/presentations/02_loops.pptx
+++ b/presentations/02_loops.pptx
@@ -5,20 +5,15 @@
     <p:sldMasterId id="2147483648" r:id="rId1"/>
   </p:sldMasterIdLst>
   <p:notesMasterIdLst>
-    <p:notesMasterId r:id="rId13"/>
+    <p:notesMasterId r:id="rId8"/>
   </p:notesMasterIdLst>
   <p:sldIdLst>
     <p:sldId id="324" r:id="rId2"/>
-    <p:sldId id="325" r:id="rId3"/>
-    <p:sldId id="266" r:id="rId4"/>
-    <p:sldId id="281" r:id="rId5"/>
-    <p:sldId id="279" r:id="rId6"/>
-    <p:sldId id="282" r:id="rId7"/>
-    <p:sldId id="283" r:id="rId8"/>
-    <p:sldId id="285" r:id="rId9"/>
-    <p:sldId id="286" r:id="rId10"/>
-    <p:sldId id="289" r:id="rId11"/>
-    <p:sldId id="290" r:id="rId12"/>
+    <p:sldId id="266" r:id="rId3"/>
+    <p:sldId id="281" r:id="rId4"/>
+    <p:sldId id="282" r:id="rId5"/>
+    <p:sldId id="285" r:id="rId6"/>
+    <p:sldId id="289" r:id="rId7"/>
   </p:sldIdLst>
   <p:sldSz cx="12192000" cy="6858000"/>
   <p:notesSz cx="6858000" cy="9144000"/>
@@ -218,7 +213,7 @@
           <a:p>
             <a:fld id="{FD93C9B2-20F6-4DB1-B471-224337D0AC79}" type="datetimeFigureOut">
               <a:rPr lang="en-US" smtClean="0"/>
-              <a:t>11/17/2021</a:t>
+              <a:t>6/1/2022</a:t>
             </a:fld>
             <a:endParaRPr lang="en-US"/>
           </a:p>
@@ -576,404 +571,6 @@
 </p:notes>
 </file>
 
-<file path=ppt/notesSlides/notesSlide10.xml><?xml version="1.0" encoding="utf-8"?>
-<p:notes xmlns:a="http://schemas.openxmlformats.org/drawingml/2006/main" xmlns:r="http://schemas.openxmlformats.org/officeDocument/2006/relationships" xmlns:p="http://schemas.openxmlformats.org/presentationml/2006/main">
-  <p:cSld>
-    <p:spTree>
-      <p:nvGrpSpPr>
-        <p:cNvPr id="1" name=""/>
-        <p:cNvGrpSpPr/>
-        <p:nvPr/>
-      </p:nvGrpSpPr>
-      <p:grpSpPr>
-        <a:xfrm>
-          <a:off x="0" y="0"/>
-          <a:ext cx="0" cy="0"/>
-          <a:chOff x="0" y="0"/>
-          <a:chExt cx="0" cy="0"/>
-        </a:xfrm>
-      </p:grpSpPr>
-      <p:sp>
-        <p:nvSpPr>
-          <p:cNvPr id="2" name="Slide Image Placeholder 1"/>
-          <p:cNvSpPr>
-            <a:spLocks noGrp="1" noRot="1" noChangeAspect="1"/>
-          </p:cNvSpPr>
-          <p:nvPr>
-            <p:ph type="sldImg"/>
-          </p:nvPr>
-        </p:nvSpPr>
-        <p:spPr/>
-      </p:sp>
-      <p:sp>
-        <p:nvSpPr>
-          <p:cNvPr id="3" name="Notes Placeholder 2"/>
-          <p:cNvSpPr>
-            <a:spLocks noGrp="1"/>
-          </p:cNvSpPr>
-          <p:nvPr>
-            <p:ph type="body" idx="1"/>
-          </p:nvPr>
-        </p:nvSpPr>
-        <p:spPr/>
-        <p:txBody>
-          <a:bodyPr/>
-          <a:lstStyle/>
-          <a:p>
-            <a:pPr marL="0" marR="0" lvl="0" indent="0" algn="l" defTabSz="914400" rtl="0" eaLnBrk="1" fontAlgn="auto" latinLnBrk="0" hangingPunct="1">
-              <a:lnSpc>
-                <a:spcPct val="100000"/>
-              </a:lnSpc>
-              <a:spcBef>
-                <a:spcPts val="0"/>
-              </a:spcBef>
-              <a:spcAft>
-                <a:spcPts val="0"/>
-              </a:spcAft>
-              <a:buClrTx/>
-              <a:buSzTx/>
-              <a:buFontTx/>
-              <a:buNone/>
-              <a:tabLst/>
-              <a:defRPr/>
-            </a:pPr>
-            <a:r>
-              <a:rPr lang="en-US" b="0" i="0" dirty="0">
-                <a:solidFill>
-                  <a:srgbClr val="333333"/>
-                </a:solidFill>
-                <a:effectLst/>
-                <a:latin typeface="Helvetica Neue"/>
-              </a:rPr>
-              <a:t>In the comedy </a:t>
-            </a:r>
-            <a:r>
-              <a:rPr lang="en-US" b="0" i="1" dirty="0">
-                <a:solidFill>
-                  <a:srgbClr val="333333"/>
-                </a:solidFill>
-                <a:effectLst/>
-                <a:latin typeface="Helvetica Neue"/>
-              </a:rPr>
-              <a:t>Groundhog Day</a:t>
-            </a:r>
-            <a:r>
-              <a:rPr lang="en-US" b="0" i="0" dirty="0">
-                <a:solidFill>
-                  <a:srgbClr val="333333"/>
-                </a:solidFill>
-                <a:effectLst/>
-                <a:latin typeface="Helvetica Neue"/>
-              </a:rPr>
-              <a:t>, Bill Murray plays Phil Connors, a disgruntled TV weatherman who’s sent to Punxsutawney, PA to cover the story of Punxsutawney Phil, the town’s famous groundhog who can predict either an early spring or extended winter depending on whether he sees his shadow or not. While there, Phil Connors gets caught in a time warp, reliving the same day over and over again until he learns to value each moment and the people he works with. See the </a:t>
-            </a:r>
-            <a:r>
-              <a:rPr lang="en-US" b="1" i="0" dirty="0">
-                <a:solidFill>
-                  <a:srgbClr val="333333"/>
-                </a:solidFill>
-                <a:effectLst/>
-                <a:latin typeface="Helvetica Neue"/>
-              </a:rPr>
-              <a:t>Reference</a:t>
-            </a:r>
-            <a:r>
-              <a:rPr lang="en-US" b="0" i="0" dirty="0">
-                <a:solidFill>
-                  <a:srgbClr val="333333"/>
-                </a:solidFill>
-                <a:effectLst/>
-                <a:latin typeface="Helvetica Neue"/>
-              </a:rPr>
-              <a:t> section for links to the movie trailer as well as the film’s Wikipedia entry.</a:t>
-            </a:r>
-          </a:p>
-          <a:p>
-            <a:pPr marL="0" marR="0" lvl="0" indent="0" algn="l" defTabSz="914400" rtl="0" eaLnBrk="1" fontAlgn="auto" latinLnBrk="0" hangingPunct="1">
-              <a:lnSpc>
-                <a:spcPct val="100000"/>
-              </a:lnSpc>
-              <a:spcBef>
-                <a:spcPts val="0"/>
-              </a:spcBef>
-              <a:spcAft>
-                <a:spcPts val="0"/>
-              </a:spcAft>
-              <a:buClrTx/>
-              <a:buSzTx/>
-              <a:buFontTx/>
-              <a:buNone/>
-              <a:tabLst/>
-              <a:defRPr/>
-            </a:pPr>
-            <a:endParaRPr lang="en-US" b="0" i="0" dirty="0">
-              <a:solidFill>
-                <a:srgbClr val="333333"/>
-              </a:solidFill>
-              <a:effectLst/>
-              <a:latin typeface="Helvetica Neue"/>
-            </a:endParaRPr>
-          </a:p>
-          <a:p>
-            <a:pPr marL="0" marR="0" lvl="0" indent="0" algn="l" defTabSz="914400" rtl="0" eaLnBrk="1" fontAlgn="auto" latinLnBrk="0" hangingPunct="1">
-              <a:lnSpc>
-                <a:spcPct val="100000"/>
-              </a:lnSpc>
-              <a:spcBef>
-                <a:spcPts val="0"/>
-              </a:spcBef>
-              <a:spcAft>
-                <a:spcPts val="0"/>
-              </a:spcAft>
-              <a:buClrTx/>
-              <a:buSzTx/>
-              <a:buFontTx/>
-              <a:buNone/>
-              <a:tabLst/>
-              <a:defRPr/>
-            </a:pPr>
-            <a:r>
-              <a:rPr lang="en-US" b="0" i="0" dirty="0">
-                <a:solidFill>
-                  <a:srgbClr val="333333"/>
-                </a:solidFill>
-                <a:effectLst/>
-                <a:latin typeface="Helvetica Neue"/>
-              </a:rPr>
-              <a:t>In a programming language, loops allow you to repeat a specific action over and over again. This grants you special powers as a programmer. For example, you could define a groundhog loop that repeats a specified number of times, forcing Phil Connors to relive the same day until the loop reaches a defined limit. </a:t>
-            </a:r>
-          </a:p>
-          <a:p>
-            <a:pPr marL="0" marR="0" lvl="0" indent="0" algn="l" defTabSz="914400" rtl="0" eaLnBrk="1" fontAlgn="auto" latinLnBrk="0" hangingPunct="1">
-              <a:lnSpc>
-                <a:spcPct val="100000"/>
-              </a:lnSpc>
-              <a:spcBef>
-                <a:spcPts val="0"/>
-              </a:spcBef>
-              <a:spcAft>
-                <a:spcPts val="0"/>
-              </a:spcAft>
-              <a:buClrTx/>
-              <a:buSzTx/>
-              <a:buFontTx/>
-              <a:buNone/>
-              <a:tabLst/>
-              <a:defRPr/>
-            </a:pPr>
-            <a:endParaRPr lang="en-US" b="0" i="0" dirty="0">
-              <a:solidFill>
-                <a:srgbClr val="333333"/>
-              </a:solidFill>
-              <a:effectLst/>
-              <a:latin typeface="Helvetica Neue"/>
-            </a:endParaRPr>
-          </a:p>
-          <a:p>
-            <a:pPr marL="0" marR="0" lvl="0" indent="0" algn="l" defTabSz="914400" rtl="0" eaLnBrk="1" fontAlgn="auto" latinLnBrk="0" hangingPunct="1">
-              <a:lnSpc>
-                <a:spcPct val="100000"/>
-              </a:lnSpc>
-              <a:spcBef>
-                <a:spcPts val="0"/>
-              </a:spcBef>
-              <a:spcAft>
-                <a:spcPts val="0"/>
-              </a:spcAft>
-              <a:buClrTx/>
-              <a:buSzTx/>
-              <a:buFontTx/>
-              <a:buNone/>
-              <a:tabLst/>
-              <a:defRPr/>
-            </a:pPr>
-            <a:endParaRPr lang="en-US" dirty="0"/>
-          </a:p>
-        </p:txBody>
-      </p:sp>
-      <p:sp>
-        <p:nvSpPr>
-          <p:cNvPr id="4" name="Slide Number Placeholder 3"/>
-          <p:cNvSpPr>
-            <a:spLocks noGrp="1"/>
-          </p:cNvSpPr>
-          <p:nvPr>
-            <p:ph type="sldNum" sz="quarter" idx="5"/>
-          </p:nvPr>
-        </p:nvSpPr>
-        <p:spPr/>
-        <p:txBody>
-          <a:bodyPr/>
-          <a:lstStyle/>
-          <a:p>
-            <a:fld id="{3148858F-F1DB-4027-9C85-CCA6849540DD}" type="slidenum">
-              <a:rPr lang="en-US" smtClean="0"/>
-              <a:t>10</a:t>
-            </a:fld>
-            <a:endParaRPr lang="en-US"/>
-          </a:p>
-        </p:txBody>
-      </p:sp>
-    </p:spTree>
-    <p:extLst>
-      <p:ext uri="{BB962C8B-B14F-4D97-AF65-F5344CB8AC3E}">
-        <p14:creationId xmlns:p14="http://schemas.microsoft.com/office/powerpoint/2010/main" val="3765025598"/>
-      </p:ext>
-    </p:extLst>
-  </p:cSld>
-  <p:clrMapOvr>
-    <a:masterClrMapping/>
-  </p:clrMapOvr>
-</p:notes>
-</file>
-
-<file path=ppt/notesSlides/notesSlide11.xml><?xml version="1.0" encoding="utf-8"?>
-<p:notes xmlns:a="http://schemas.openxmlformats.org/drawingml/2006/main" xmlns:r="http://schemas.openxmlformats.org/officeDocument/2006/relationships" xmlns:p="http://schemas.openxmlformats.org/presentationml/2006/main">
-  <p:cSld>
-    <p:spTree>
-      <p:nvGrpSpPr>
-        <p:cNvPr id="1" name=""/>
-        <p:cNvGrpSpPr/>
-        <p:nvPr/>
-      </p:nvGrpSpPr>
-      <p:grpSpPr>
-        <a:xfrm>
-          <a:off x="0" y="0"/>
-          <a:ext cx="0" cy="0"/>
-          <a:chOff x="0" y="0"/>
-          <a:chExt cx="0" cy="0"/>
-        </a:xfrm>
-      </p:grpSpPr>
-      <p:sp>
-        <p:nvSpPr>
-          <p:cNvPr id="2" name="Slide Image Placeholder 1"/>
-          <p:cNvSpPr>
-            <a:spLocks noGrp="1" noRot="1" noChangeAspect="1"/>
-          </p:cNvSpPr>
-          <p:nvPr>
-            <p:ph type="sldImg"/>
-          </p:nvPr>
-        </p:nvSpPr>
-        <p:spPr/>
-      </p:sp>
-      <p:sp>
-        <p:nvSpPr>
-          <p:cNvPr id="3" name="Notes Placeholder 2"/>
-          <p:cNvSpPr>
-            <a:spLocks noGrp="1"/>
-          </p:cNvSpPr>
-          <p:nvPr>
-            <p:ph type="body" idx="1"/>
-          </p:nvPr>
-        </p:nvSpPr>
-        <p:spPr/>
-        <p:txBody>
-          <a:bodyPr/>
-          <a:lstStyle/>
-          <a:p>
-            <a:pPr marL="0" marR="0" lvl="0" indent="0" algn="l" defTabSz="914400" rtl="0" eaLnBrk="1" fontAlgn="auto" latinLnBrk="0" hangingPunct="1">
-              <a:lnSpc>
-                <a:spcPct val="100000"/>
-              </a:lnSpc>
-              <a:spcBef>
-                <a:spcPts val="0"/>
-              </a:spcBef>
-              <a:spcAft>
-                <a:spcPts val="0"/>
-              </a:spcAft>
-              <a:buClrTx/>
-              <a:buSzTx/>
-              <a:buFontTx/>
-              <a:buNone/>
-              <a:tabLst/>
-              <a:defRPr/>
-            </a:pPr>
-            <a:r>
-              <a:rPr lang="en-US" dirty="0"/>
-              <a:t>Exercise 19 starts on page 54 of the textbook.  </a:t>
-            </a:r>
-          </a:p>
-          <a:p>
-            <a:pPr marL="0" marR="0" lvl="0" indent="0" algn="l" defTabSz="914400" rtl="0" eaLnBrk="1" fontAlgn="auto" latinLnBrk="0" hangingPunct="1">
-              <a:lnSpc>
-                <a:spcPct val="100000"/>
-              </a:lnSpc>
-              <a:spcBef>
-                <a:spcPts val="0"/>
-              </a:spcBef>
-              <a:spcAft>
-                <a:spcPts val="0"/>
-              </a:spcAft>
-              <a:buClrTx/>
-              <a:buSzTx/>
-              <a:buFontTx/>
-              <a:buNone/>
-              <a:tabLst/>
-              <a:defRPr/>
-            </a:pPr>
-            <a:r>
-              <a:rPr lang="en-US" dirty="0"/>
-              <a:t>Exercise 20 starts on page 55 of the textbook.  </a:t>
-            </a:r>
-          </a:p>
-          <a:p>
-            <a:pPr marL="0" marR="0" lvl="0" indent="0" algn="l" defTabSz="914400" rtl="0" eaLnBrk="1" fontAlgn="auto" latinLnBrk="0" hangingPunct="1">
-              <a:lnSpc>
-                <a:spcPct val="100000"/>
-              </a:lnSpc>
-              <a:spcBef>
-                <a:spcPts val="0"/>
-              </a:spcBef>
-              <a:spcAft>
-                <a:spcPts val="0"/>
-              </a:spcAft>
-              <a:buClrTx/>
-              <a:buSzTx/>
-              <a:buFontTx/>
-              <a:buNone/>
-              <a:tabLst/>
-              <a:defRPr/>
-            </a:pPr>
-            <a:endParaRPr lang="en-US" dirty="0"/>
-          </a:p>
-        </p:txBody>
-      </p:sp>
-      <p:sp>
-        <p:nvSpPr>
-          <p:cNvPr id="4" name="Slide Number Placeholder 3"/>
-          <p:cNvSpPr>
-            <a:spLocks noGrp="1"/>
-          </p:cNvSpPr>
-          <p:nvPr>
-            <p:ph type="sldNum" sz="quarter" idx="5"/>
-          </p:nvPr>
-        </p:nvSpPr>
-        <p:spPr/>
-        <p:txBody>
-          <a:bodyPr/>
-          <a:lstStyle/>
-          <a:p>
-            <a:fld id="{3148858F-F1DB-4027-9C85-CCA6849540DD}" type="slidenum">
-              <a:rPr lang="en-US" smtClean="0"/>
-              <a:t>11</a:t>
-            </a:fld>
-            <a:endParaRPr lang="en-US"/>
-          </a:p>
-        </p:txBody>
-      </p:sp>
-    </p:spTree>
-    <p:extLst>
-      <p:ext uri="{BB962C8B-B14F-4D97-AF65-F5344CB8AC3E}">
-        <p14:creationId xmlns:p14="http://schemas.microsoft.com/office/powerpoint/2010/main" val="2835997116"/>
-      </p:ext>
-    </p:extLst>
-  </p:cSld>
-  <p:clrMapOvr>
-    <a:masterClrMapping/>
-  </p:clrMapOvr>
-</p:notes>
-</file>
-
 <file path=ppt/notesSlides/notesSlide2.xml><?xml version="1.0" encoding="utf-8"?>
 <p:notes xmlns:a="http://schemas.openxmlformats.org/drawingml/2006/main" xmlns:r="http://schemas.openxmlformats.org/officeDocument/2006/relationships" xmlns:p="http://schemas.openxmlformats.org/presentationml/2006/main">
   <p:cSld>
@@ -1018,14 +615,7 @@
           <a:bodyPr/>
           <a:lstStyle/>
           <a:p>
-            <a:endParaRPr lang="en-US" dirty="0">
-              <a:latin typeface="Palatino Linotype" panose="02040502050505030304" pitchFamily="18" charset="0"/>
-            </a:endParaRPr>
-          </a:p>
-          <a:p>
-            <a:endParaRPr lang="en-US" dirty="0">
-              <a:latin typeface="Palatino Linotype" panose="02040502050505030304" pitchFamily="18" charset="0"/>
-            </a:endParaRPr>
+            <a:endParaRPr lang="en-US" dirty="0"/>
           </a:p>
         </p:txBody>
       </p:sp>
@@ -1055,7 +645,7 @@
     </p:spTree>
     <p:extLst>
       <p:ext uri="{BB962C8B-B14F-4D97-AF65-F5344CB8AC3E}">
-        <p14:creationId xmlns:p14="http://schemas.microsoft.com/office/powerpoint/2010/main" val="160237460"/>
+        <p14:creationId xmlns:p14="http://schemas.microsoft.com/office/powerpoint/2010/main" val="1207792633"/>
       </p:ext>
     </p:extLst>
   </p:cSld>
@@ -1109,7 +699,27 @@
           <a:bodyPr/>
           <a:lstStyle/>
           <a:p>
-            <a:endParaRPr lang="en-US" dirty="0"/>
+            <a:pPr marL="0" marR="0" lvl="0" indent="0" algn="l" defTabSz="914400" rtl="0" eaLnBrk="1" fontAlgn="auto" latinLnBrk="0" hangingPunct="1">
+              <a:lnSpc>
+                <a:spcPct val="100000"/>
+              </a:lnSpc>
+              <a:spcBef>
+                <a:spcPts val="0"/>
+              </a:spcBef>
+              <a:spcAft>
+                <a:spcPts val="0"/>
+              </a:spcAft>
+              <a:buClrTx/>
+              <a:buSzTx/>
+              <a:buFontTx/>
+              <a:buNone/>
+              <a:tabLst/>
+              <a:defRPr/>
+            </a:pPr>
+            <a:r>
+              <a:rPr lang="en-US" dirty="0"/>
+              <a:t>George Boole and Boolean logic</a:t>
+            </a:r>
           </a:p>
         </p:txBody>
       </p:sp>
@@ -1139,7 +749,7 @@
     </p:spTree>
     <p:extLst>
       <p:ext uri="{BB962C8B-B14F-4D97-AF65-F5344CB8AC3E}">
-        <p14:creationId xmlns:p14="http://schemas.microsoft.com/office/powerpoint/2010/main" val="1207792633"/>
+        <p14:creationId xmlns:p14="http://schemas.microsoft.com/office/powerpoint/2010/main" val="880453606"/>
       </p:ext>
     </p:extLst>
   </p:cSld>
@@ -1210,10 +820,7 @@
               <a:tabLst/>
               <a:defRPr/>
             </a:pPr>
-            <a:r>
-              <a:rPr lang="en-US" dirty="0"/>
-              <a:t>George Boole and Boolean logic</a:t>
-            </a:r>
+            <a:endParaRPr lang="en-US" dirty="0"/>
           </a:p>
         </p:txBody>
       </p:sp>
@@ -1243,7 +850,7 @@
     </p:spTree>
     <p:extLst>
       <p:ext uri="{BB962C8B-B14F-4D97-AF65-F5344CB8AC3E}">
-        <p14:creationId xmlns:p14="http://schemas.microsoft.com/office/powerpoint/2010/main" val="880453606"/>
+        <p14:creationId xmlns:p14="http://schemas.microsoft.com/office/powerpoint/2010/main" val="1451378772"/>
       </p:ext>
     </p:extLst>
   </p:cSld>
@@ -1314,29 +921,6 @@
               <a:tabLst/>
               <a:defRPr/>
             </a:pPr>
-            <a:r>
-              <a:rPr lang="en-US" dirty="0"/>
-              <a:t>Exercise 13 starts on page 37 of the textbook.  </a:t>
-            </a:r>
-          </a:p>
-          <a:p>
-            <a:pPr marL="0" marR="0" lvl="0" indent="0" algn="l" defTabSz="914400" rtl="0" eaLnBrk="1" fontAlgn="auto" latinLnBrk="0" hangingPunct="1">
-              <a:lnSpc>
-                <a:spcPct val="100000"/>
-              </a:lnSpc>
-              <a:spcBef>
-                <a:spcPts val="0"/>
-              </a:spcBef>
-              <a:spcAft>
-                <a:spcPts val="0"/>
-              </a:spcAft>
-              <a:buClrTx/>
-              <a:buSzTx/>
-              <a:buFontTx/>
-              <a:buNone/>
-              <a:tabLst/>
-              <a:defRPr/>
-            </a:pPr>
             <a:endParaRPr lang="en-US" dirty="0"/>
           </a:p>
         </p:txBody>
@@ -1367,7 +951,7 @@
     </p:spTree>
     <p:extLst>
       <p:ext uri="{BB962C8B-B14F-4D97-AF65-F5344CB8AC3E}">
-        <p14:creationId xmlns:p14="http://schemas.microsoft.com/office/powerpoint/2010/main" val="1985664105"/>
+        <p14:creationId xmlns:p14="http://schemas.microsoft.com/office/powerpoint/2010/main" val="1632702510"/>
       </p:ext>
     </p:extLst>
   </p:cSld>
@@ -1438,89 +1022,57 @@
               <a:tabLst/>
               <a:defRPr/>
             </a:pPr>
-            <a:endParaRPr lang="en-US" dirty="0"/>
-          </a:p>
-        </p:txBody>
-      </p:sp>
-      <p:sp>
-        <p:nvSpPr>
-          <p:cNvPr id="4" name="Slide Number Placeholder 3"/>
-          <p:cNvSpPr>
-            <a:spLocks noGrp="1"/>
-          </p:cNvSpPr>
-          <p:nvPr>
-            <p:ph type="sldNum" sz="quarter" idx="5"/>
-          </p:nvPr>
-        </p:nvSpPr>
-        <p:spPr/>
-        <p:txBody>
-          <a:bodyPr/>
-          <a:lstStyle/>
-          <a:p>
-            <a:fld id="{3148858F-F1DB-4027-9C85-CCA6849540DD}" type="slidenum">
-              <a:rPr lang="en-US" smtClean="0"/>
-              <a:t>6</a:t>
-            </a:fld>
-            <a:endParaRPr lang="en-US"/>
-          </a:p>
-        </p:txBody>
-      </p:sp>
-    </p:spTree>
-    <p:extLst>
-      <p:ext uri="{BB962C8B-B14F-4D97-AF65-F5344CB8AC3E}">
-        <p14:creationId xmlns:p14="http://schemas.microsoft.com/office/powerpoint/2010/main" val="1451378772"/>
-      </p:ext>
-    </p:extLst>
-  </p:cSld>
-  <p:clrMapOvr>
-    <a:masterClrMapping/>
-  </p:clrMapOvr>
-</p:notes>
-</file>
-
-<file path=ppt/notesSlides/notesSlide7.xml><?xml version="1.0" encoding="utf-8"?>
-<p:notes xmlns:a="http://schemas.openxmlformats.org/drawingml/2006/main" xmlns:r="http://schemas.openxmlformats.org/officeDocument/2006/relationships" xmlns:p="http://schemas.openxmlformats.org/presentationml/2006/main">
-  <p:cSld>
-    <p:spTree>
-      <p:nvGrpSpPr>
-        <p:cNvPr id="1" name=""/>
-        <p:cNvGrpSpPr/>
-        <p:nvPr/>
-      </p:nvGrpSpPr>
-      <p:grpSpPr>
-        <a:xfrm>
-          <a:off x="0" y="0"/>
-          <a:ext cx="0" cy="0"/>
-          <a:chOff x="0" y="0"/>
-          <a:chExt cx="0" cy="0"/>
-        </a:xfrm>
-      </p:grpSpPr>
-      <p:sp>
-        <p:nvSpPr>
-          <p:cNvPr id="2" name="Slide Image Placeholder 1"/>
-          <p:cNvSpPr>
-            <a:spLocks noGrp="1" noRot="1" noChangeAspect="1"/>
-          </p:cNvSpPr>
-          <p:nvPr>
-            <p:ph type="sldImg"/>
-          </p:nvPr>
-        </p:nvSpPr>
-        <p:spPr/>
-      </p:sp>
-      <p:sp>
-        <p:nvSpPr>
-          <p:cNvPr id="3" name="Notes Placeholder 2"/>
-          <p:cNvSpPr>
-            <a:spLocks noGrp="1"/>
-          </p:cNvSpPr>
-          <p:nvPr>
-            <p:ph type="body" idx="1"/>
-          </p:nvPr>
-        </p:nvSpPr>
-        <p:spPr/>
-        <p:txBody>
-          <a:bodyPr/>
-          <a:lstStyle/>
+            <a:r>
+              <a:rPr lang="en-US" b="0" i="0" dirty="0">
+                <a:solidFill>
+                  <a:srgbClr val="333333"/>
+                </a:solidFill>
+                <a:effectLst/>
+                <a:latin typeface="Helvetica Neue"/>
+              </a:rPr>
+              <a:t>In the comedy </a:t>
+            </a:r>
+            <a:r>
+              <a:rPr lang="en-US" b="0" i="1" dirty="0">
+                <a:solidFill>
+                  <a:srgbClr val="333333"/>
+                </a:solidFill>
+                <a:effectLst/>
+                <a:latin typeface="Helvetica Neue"/>
+              </a:rPr>
+              <a:t>Groundhog Day</a:t>
+            </a:r>
+            <a:r>
+              <a:rPr lang="en-US" b="0" i="0" dirty="0">
+                <a:solidFill>
+                  <a:srgbClr val="333333"/>
+                </a:solidFill>
+                <a:effectLst/>
+                <a:latin typeface="Helvetica Neue"/>
+              </a:rPr>
+              <a:t>, Bill Murray plays Phil Connors, a disgruntled TV weatherman who’s sent to Punxsutawney, PA to cover the story of Punxsutawney Phil, the town’s famous groundhog who can predict either an early spring or extended winter depending on whether he sees his shadow or not. While there, Phil Connors gets caught in a time warp, reliving the same day over and over again until he learns to value each moment and the people he works with. See the </a:t>
+            </a:r>
+            <a:r>
+              <a:rPr lang="en-US" b="1" i="0" dirty="0">
+                <a:solidFill>
+                  <a:srgbClr val="333333"/>
+                </a:solidFill>
+                <a:effectLst/>
+                <a:latin typeface="Helvetica Neue"/>
+              </a:rPr>
+              <a:t>Reference</a:t>
+            </a:r>
+            <a:r>
+              <a:rPr lang="en-US" b="0" i="0" dirty="0">
+                <a:solidFill>
+                  <a:srgbClr val="333333"/>
+                </a:solidFill>
+                <a:effectLst/>
+                <a:latin typeface="Helvetica Neue"/>
+              </a:rPr>
+              <a:t> section for links to the movie trailer as well as the film’s Wikipedia entry.</a:t>
+            </a:r>
+          </a:p>
           <a:p>
             <a:pPr marL="0" marR="0" lvl="0" indent="0" algn="l" defTabSz="914400" rtl="0" eaLnBrk="1" fontAlgn="auto" latinLnBrk="0" hangingPunct="1">
               <a:lnSpc>
@@ -1539,10 +1091,13 @@
               <a:tabLst/>
               <a:defRPr/>
             </a:pPr>
-            <a:r>
-              <a:rPr lang="en-US" dirty="0"/>
-              <a:t>Exercise 14 starts on page 40 of the textbook.  </a:t>
-            </a:r>
+            <a:endParaRPr lang="en-US" b="0" i="0" dirty="0">
+              <a:solidFill>
+                <a:srgbClr val="333333"/>
+              </a:solidFill>
+              <a:effectLst/>
+              <a:latin typeface="Helvetica Neue"/>
+            </a:endParaRPr>
           </a:p>
           <a:p>
             <a:pPr marL="0" marR="0" lvl="0" indent="0" algn="l" defTabSz="914400" rtl="0" eaLnBrk="1" fontAlgn="auto" latinLnBrk="0" hangingPunct="1">
@@ -1563,8 +1118,14 @@
               <a:defRPr/>
             </a:pPr>
             <a:r>
-              <a:rPr lang="en-US" dirty="0"/>
-              <a:t>Exercise 15 starts on page 43 of the textbook.  </a:t>
+              <a:rPr lang="en-US" b="0" i="0" dirty="0">
+                <a:solidFill>
+                  <a:srgbClr val="333333"/>
+                </a:solidFill>
+                <a:effectLst/>
+                <a:latin typeface="Helvetica Neue"/>
+              </a:rPr>
+              <a:t>In a programming language, loops allow you to repeat a specific action over and over again. This grants you special powers as a programmer. For example, you could define a groundhog loop that repeats a specified number of times, forcing Phil Connors to relive the same day until the loop reaches a defined limit. </a:t>
             </a:r>
           </a:p>
           <a:p>
@@ -1585,89 +1146,14 @@
               <a:tabLst/>
               <a:defRPr/>
             </a:pPr>
-            <a:endParaRPr lang="en-US" dirty="0"/>
-          </a:p>
-        </p:txBody>
-      </p:sp>
-      <p:sp>
-        <p:nvSpPr>
-          <p:cNvPr id="4" name="Slide Number Placeholder 3"/>
-          <p:cNvSpPr>
-            <a:spLocks noGrp="1"/>
-          </p:cNvSpPr>
-          <p:nvPr>
-            <p:ph type="sldNum" sz="quarter" idx="5"/>
-          </p:nvPr>
-        </p:nvSpPr>
-        <p:spPr/>
-        <p:txBody>
-          <a:bodyPr/>
-          <a:lstStyle/>
-          <a:p>
-            <a:fld id="{3148858F-F1DB-4027-9C85-CCA6849540DD}" type="slidenum">
-              <a:rPr lang="en-US" smtClean="0"/>
-              <a:t>7</a:t>
-            </a:fld>
-            <a:endParaRPr lang="en-US"/>
-          </a:p>
-        </p:txBody>
-      </p:sp>
-    </p:spTree>
-    <p:extLst>
-      <p:ext uri="{BB962C8B-B14F-4D97-AF65-F5344CB8AC3E}">
-        <p14:creationId xmlns:p14="http://schemas.microsoft.com/office/powerpoint/2010/main" val="3611845465"/>
-      </p:ext>
-    </p:extLst>
-  </p:cSld>
-  <p:clrMapOvr>
-    <a:masterClrMapping/>
-  </p:clrMapOvr>
-</p:notes>
-</file>
-
-<file path=ppt/notesSlides/notesSlide8.xml><?xml version="1.0" encoding="utf-8"?>
-<p:notes xmlns:a="http://schemas.openxmlformats.org/drawingml/2006/main" xmlns:r="http://schemas.openxmlformats.org/officeDocument/2006/relationships" xmlns:p="http://schemas.openxmlformats.org/presentationml/2006/main">
-  <p:cSld>
-    <p:spTree>
-      <p:nvGrpSpPr>
-        <p:cNvPr id="1" name=""/>
-        <p:cNvGrpSpPr/>
-        <p:nvPr/>
-      </p:nvGrpSpPr>
-      <p:grpSpPr>
-        <a:xfrm>
-          <a:off x="0" y="0"/>
-          <a:ext cx="0" cy="0"/>
-          <a:chOff x="0" y="0"/>
-          <a:chExt cx="0" cy="0"/>
-        </a:xfrm>
-      </p:grpSpPr>
-      <p:sp>
-        <p:nvSpPr>
-          <p:cNvPr id="2" name="Slide Image Placeholder 1"/>
-          <p:cNvSpPr>
-            <a:spLocks noGrp="1" noRot="1" noChangeAspect="1"/>
-          </p:cNvSpPr>
-          <p:nvPr>
-            <p:ph type="sldImg"/>
-          </p:nvPr>
-        </p:nvSpPr>
-        <p:spPr/>
-      </p:sp>
-      <p:sp>
-        <p:nvSpPr>
-          <p:cNvPr id="3" name="Notes Placeholder 2"/>
-          <p:cNvSpPr>
-            <a:spLocks noGrp="1"/>
-          </p:cNvSpPr>
-          <p:nvPr>
-            <p:ph type="body" idx="1"/>
-          </p:nvPr>
-        </p:nvSpPr>
-        <p:spPr/>
-        <p:txBody>
-          <a:bodyPr/>
-          <a:lstStyle/>
+            <a:endParaRPr lang="en-US" b="0" i="0" dirty="0">
+              <a:solidFill>
+                <a:srgbClr val="333333"/>
+              </a:solidFill>
+              <a:effectLst/>
+              <a:latin typeface="Helvetica Neue"/>
+            </a:endParaRPr>
+          </a:p>
           <a:p>
             <a:pPr marL="0" marR="0" lvl="0" indent="0" algn="l" defTabSz="914400" rtl="0" eaLnBrk="1" fontAlgn="auto" latinLnBrk="0" hangingPunct="1">
               <a:lnSpc>
@@ -1707,7 +1193,7 @@
           <a:p>
             <a:fld id="{3148858F-F1DB-4027-9C85-CCA6849540DD}" type="slidenum">
               <a:rPr lang="en-US" smtClean="0"/>
-              <a:t>8</a:t>
+              <a:t>6</a:t>
             </a:fld>
             <a:endParaRPr lang="en-US"/>
           </a:p>
@@ -1716,154 +1202,7 @@
     </p:spTree>
     <p:extLst>
       <p:ext uri="{BB962C8B-B14F-4D97-AF65-F5344CB8AC3E}">
-        <p14:creationId xmlns:p14="http://schemas.microsoft.com/office/powerpoint/2010/main" val="1632702510"/>
-      </p:ext>
-    </p:extLst>
-  </p:cSld>
-  <p:clrMapOvr>
-    <a:masterClrMapping/>
-  </p:clrMapOvr>
-</p:notes>
-</file>
-
-<file path=ppt/notesSlides/notesSlide9.xml><?xml version="1.0" encoding="utf-8"?>
-<p:notes xmlns:a="http://schemas.openxmlformats.org/drawingml/2006/main" xmlns:r="http://schemas.openxmlformats.org/officeDocument/2006/relationships" xmlns:p="http://schemas.openxmlformats.org/presentationml/2006/main">
-  <p:cSld>
-    <p:spTree>
-      <p:nvGrpSpPr>
-        <p:cNvPr id="1" name=""/>
-        <p:cNvGrpSpPr/>
-        <p:nvPr/>
-      </p:nvGrpSpPr>
-      <p:grpSpPr>
-        <a:xfrm>
-          <a:off x="0" y="0"/>
-          <a:ext cx="0" cy="0"/>
-          <a:chOff x="0" y="0"/>
-          <a:chExt cx="0" cy="0"/>
-        </a:xfrm>
-      </p:grpSpPr>
-      <p:sp>
-        <p:nvSpPr>
-          <p:cNvPr id="2" name="Slide Image Placeholder 1"/>
-          <p:cNvSpPr>
-            <a:spLocks noGrp="1" noRot="1" noChangeAspect="1"/>
-          </p:cNvSpPr>
-          <p:nvPr>
-            <p:ph type="sldImg"/>
-          </p:nvPr>
-        </p:nvSpPr>
-        <p:spPr/>
-      </p:sp>
-      <p:sp>
-        <p:nvSpPr>
-          <p:cNvPr id="3" name="Notes Placeholder 2"/>
-          <p:cNvSpPr>
-            <a:spLocks noGrp="1"/>
-          </p:cNvSpPr>
-          <p:nvPr>
-            <p:ph type="body" idx="1"/>
-          </p:nvPr>
-        </p:nvSpPr>
-        <p:spPr/>
-        <p:txBody>
-          <a:bodyPr/>
-          <a:lstStyle/>
-          <a:p>
-            <a:pPr marL="0" marR="0" lvl="0" indent="0" algn="l" defTabSz="914400" rtl="0" eaLnBrk="1" fontAlgn="auto" latinLnBrk="0" hangingPunct="1">
-              <a:lnSpc>
-                <a:spcPct val="100000"/>
-              </a:lnSpc>
-              <a:spcBef>
-                <a:spcPts val="0"/>
-              </a:spcBef>
-              <a:spcAft>
-                <a:spcPts val="0"/>
-              </a:spcAft>
-              <a:buClrTx/>
-              <a:buSzTx/>
-              <a:buFontTx/>
-              <a:buNone/>
-              <a:tabLst/>
-              <a:defRPr/>
-            </a:pPr>
-            <a:r>
-              <a:rPr lang="en-US" dirty="0"/>
-              <a:t>Exercise 16 starts on page 44 of the textbook.  </a:t>
-            </a:r>
-          </a:p>
-          <a:p>
-            <a:pPr marL="0" marR="0" lvl="0" indent="0" algn="l" defTabSz="914400" rtl="0" eaLnBrk="1" fontAlgn="auto" latinLnBrk="0" hangingPunct="1">
-              <a:lnSpc>
-                <a:spcPct val="100000"/>
-              </a:lnSpc>
-              <a:spcBef>
-                <a:spcPts val="0"/>
-              </a:spcBef>
-              <a:spcAft>
-                <a:spcPts val="0"/>
-              </a:spcAft>
-              <a:buClrTx/>
-              <a:buSzTx/>
-              <a:buFontTx/>
-              <a:buNone/>
-              <a:tabLst/>
-              <a:defRPr/>
-            </a:pPr>
-            <a:r>
-              <a:rPr lang="en-US" dirty="0"/>
-              <a:t>Exercise 17 starts on page 45 of the textbook.  </a:t>
-            </a:r>
-          </a:p>
-          <a:p>
-            <a:pPr marL="0" marR="0" lvl="0" indent="0" algn="l" defTabSz="914400" rtl="0" eaLnBrk="1" fontAlgn="auto" latinLnBrk="0" hangingPunct="1">
-              <a:lnSpc>
-                <a:spcPct val="100000"/>
-              </a:lnSpc>
-              <a:spcBef>
-                <a:spcPts val="0"/>
-              </a:spcBef>
-              <a:spcAft>
-                <a:spcPts val="0"/>
-              </a:spcAft>
-              <a:buClrTx/>
-              <a:buSzTx/>
-              <a:buFontTx/>
-              <a:buNone/>
-              <a:tabLst/>
-              <a:defRPr/>
-            </a:pPr>
-            <a:endParaRPr lang="en-US" dirty="0"/>
-          </a:p>
-        </p:txBody>
-      </p:sp>
-      <p:sp>
-        <p:nvSpPr>
-          <p:cNvPr id="4" name="Slide Number Placeholder 3"/>
-          <p:cNvSpPr>
-            <a:spLocks noGrp="1"/>
-          </p:cNvSpPr>
-          <p:nvPr>
-            <p:ph type="sldNum" sz="quarter" idx="5"/>
-          </p:nvPr>
-        </p:nvSpPr>
-        <p:spPr/>
-        <p:txBody>
-          <a:bodyPr/>
-          <a:lstStyle/>
-          <a:p>
-            <a:fld id="{3148858F-F1DB-4027-9C85-CCA6849540DD}" type="slidenum">
-              <a:rPr lang="en-US" smtClean="0"/>
-              <a:t>9</a:t>
-            </a:fld>
-            <a:endParaRPr lang="en-US"/>
-          </a:p>
-        </p:txBody>
-      </p:sp>
-    </p:spTree>
-    <p:extLst>
-      <p:ext uri="{BB962C8B-B14F-4D97-AF65-F5344CB8AC3E}">
-        <p14:creationId xmlns:p14="http://schemas.microsoft.com/office/powerpoint/2010/main" val="3213020580"/>
+        <p14:creationId xmlns:p14="http://schemas.microsoft.com/office/powerpoint/2010/main" val="3765025598"/>
       </p:ext>
     </p:extLst>
   </p:cSld>
@@ -2020,7 +1359,7 @@
           <a:p>
             <a:fld id="{C3F78080-8D0A-4BE8-A5B4-CB115102D524}" type="datetimeFigureOut">
               <a:rPr lang="en-US" smtClean="0"/>
-              <a:t>11/17/2021</a:t>
+              <a:t>6/1/2022</a:t>
             </a:fld>
             <a:endParaRPr lang="en-US"/>
           </a:p>
@@ -2218,7 +1557,7 @@
           <a:p>
             <a:fld id="{C3F78080-8D0A-4BE8-A5B4-CB115102D524}" type="datetimeFigureOut">
               <a:rPr lang="en-US" smtClean="0"/>
-              <a:t>11/17/2021</a:t>
+              <a:t>6/1/2022</a:t>
             </a:fld>
             <a:endParaRPr lang="en-US"/>
           </a:p>
@@ -2426,7 +1765,7 @@
           <a:p>
             <a:fld id="{C3F78080-8D0A-4BE8-A5B4-CB115102D524}" type="datetimeFigureOut">
               <a:rPr lang="en-US" smtClean="0"/>
-              <a:t>11/17/2021</a:t>
+              <a:t>6/1/2022</a:t>
             </a:fld>
             <a:endParaRPr lang="en-US"/>
           </a:p>
@@ -2624,7 +1963,7 @@
           <a:p>
             <a:fld id="{C3F78080-8D0A-4BE8-A5B4-CB115102D524}" type="datetimeFigureOut">
               <a:rPr lang="en-US" smtClean="0"/>
-              <a:t>11/17/2021</a:t>
+              <a:t>6/1/2022</a:t>
             </a:fld>
             <a:endParaRPr lang="en-US"/>
           </a:p>
@@ -2899,7 +2238,7 @@
           <a:p>
             <a:fld id="{C3F78080-8D0A-4BE8-A5B4-CB115102D524}" type="datetimeFigureOut">
               <a:rPr lang="en-US" smtClean="0"/>
-              <a:t>11/17/2021</a:t>
+              <a:t>6/1/2022</a:t>
             </a:fld>
             <a:endParaRPr lang="en-US"/>
           </a:p>
@@ -3164,7 +2503,7 @@
           <a:p>
             <a:fld id="{C3F78080-8D0A-4BE8-A5B4-CB115102D524}" type="datetimeFigureOut">
               <a:rPr lang="en-US" smtClean="0"/>
-              <a:t>11/17/2021</a:t>
+              <a:t>6/1/2022</a:t>
             </a:fld>
             <a:endParaRPr lang="en-US"/>
           </a:p>
@@ -3576,7 +2915,7 @@
           <a:p>
             <a:fld id="{C3F78080-8D0A-4BE8-A5B4-CB115102D524}" type="datetimeFigureOut">
               <a:rPr lang="en-US" smtClean="0"/>
-              <a:t>11/17/2021</a:t>
+              <a:t>6/1/2022</a:t>
             </a:fld>
             <a:endParaRPr lang="en-US"/>
           </a:p>
@@ -3717,7 +3056,7 @@
           <a:p>
             <a:fld id="{C3F78080-8D0A-4BE8-A5B4-CB115102D524}" type="datetimeFigureOut">
               <a:rPr lang="en-US" smtClean="0"/>
-              <a:t>11/17/2021</a:t>
+              <a:t>6/1/2022</a:t>
             </a:fld>
             <a:endParaRPr lang="en-US"/>
           </a:p>
@@ -3830,7 +3169,7 @@
           <a:p>
             <a:fld id="{C3F78080-8D0A-4BE8-A5B4-CB115102D524}" type="datetimeFigureOut">
               <a:rPr lang="en-US" smtClean="0"/>
-              <a:t>11/17/2021</a:t>
+              <a:t>6/1/2022</a:t>
             </a:fld>
             <a:endParaRPr lang="en-US"/>
           </a:p>
@@ -4141,7 +3480,7 @@
           <a:p>
             <a:fld id="{C3F78080-8D0A-4BE8-A5B4-CB115102D524}" type="datetimeFigureOut">
               <a:rPr lang="en-US" smtClean="0"/>
-              <a:t>11/17/2021</a:t>
+              <a:t>6/1/2022</a:t>
             </a:fld>
             <a:endParaRPr lang="en-US"/>
           </a:p>
@@ -4429,7 +3768,7 @@
           <a:p>
             <a:fld id="{C3F78080-8D0A-4BE8-A5B4-CB115102D524}" type="datetimeFigureOut">
               <a:rPr lang="en-US" smtClean="0"/>
-              <a:t>11/17/2021</a:t>
+              <a:t>6/1/2022</a:t>
             </a:fld>
             <a:endParaRPr lang="en-US"/>
           </a:p>
@@ -4670,7 +4009,7 @@
           <a:p>
             <a:fld id="{C3F78080-8D0A-4BE8-A5B4-CB115102D524}" type="datetimeFigureOut">
               <a:rPr lang="en-US" smtClean="0"/>
-              <a:t>11/17/2021</a:t>
+              <a:t>6/1/2022</a:t>
             </a:fld>
             <a:endParaRPr lang="en-US"/>
           </a:p>
@@ -5184,364 +4523,6 @@
 </p:sld>
 </file>
 
-<file path=ppt/slides/slide10.xml><?xml version="1.0" encoding="utf-8"?>
-<p:sld xmlns:a="http://schemas.openxmlformats.org/drawingml/2006/main" xmlns:r="http://schemas.openxmlformats.org/officeDocument/2006/relationships" xmlns:p="http://schemas.openxmlformats.org/presentationml/2006/main">
-  <p:cSld>
-    <p:spTree>
-      <p:nvGrpSpPr>
-        <p:cNvPr id="1" name=""/>
-        <p:cNvGrpSpPr/>
-        <p:nvPr/>
-      </p:nvGrpSpPr>
-      <p:grpSpPr>
-        <a:xfrm>
-          <a:off x="0" y="0"/>
-          <a:ext cx="0" cy="0"/>
-          <a:chOff x="0" y="0"/>
-          <a:chExt cx="0" cy="0"/>
-        </a:xfrm>
-      </p:grpSpPr>
-      <p:sp>
-        <p:nvSpPr>
-          <p:cNvPr id="3" name="Title 2">
-            <a:extLst>
-              <a:ext uri="{FF2B5EF4-FFF2-40B4-BE49-F238E27FC236}">
-                <a16:creationId xmlns:a16="http://schemas.microsoft.com/office/drawing/2014/main" id="{91E63CD1-F27B-4638-8B76-CA32C6A9CFB6}"/>
-              </a:ext>
-            </a:extLst>
-          </p:cNvPr>
-          <p:cNvSpPr>
-            <a:spLocks noGrp="1"/>
-          </p:cNvSpPr>
-          <p:nvPr>
-            <p:ph type="title"/>
-          </p:nvPr>
-        </p:nvSpPr>
-        <p:spPr/>
-        <p:txBody>
-          <a:bodyPr/>
-          <a:lstStyle/>
-          <a:p>
-            <a:endParaRPr lang="en-US"/>
-          </a:p>
-        </p:txBody>
-      </p:sp>
-      <p:pic>
-        <p:nvPicPr>
-          <p:cNvPr id="6" name="Picture 5">
-            <a:extLst>
-              <a:ext uri="{FF2B5EF4-FFF2-40B4-BE49-F238E27FC236}">
-                <a16:creationId xmlns:a16="http://schemas.microsoft.com/office/drawing/2014/main" id="{BA1DF139-D5EF-4EFF-99E4-BA4469CE8438}"/>
-              </a:ext>
-            </a:extLst>
-          </p:cNvPr>
-          <p:cNvPicPr>
-            <a:picLocks noChangeAspect="1"/>
-          </p:cNvPicPr>
-          <p:nvPr/>
-        </p:nvPicPr>
-        <p:blipFill>
-          <a:blip r:embed="rId3">
-            <a:extLst>
-              <a:ext uri="{28A0092B-C50C-407E-A947-70E740481C1C}">
-                <a14:useLocalDpi xmlns:a14="http://schemas.microsoft.com/office/drawing/2010/main" val="0"/>
-              </a:ext>
-            </a:extLst>
-          </a:blip>
-          <a:stretch>
-            <a:fillRect/>
-          </a:stretch>
-        </p:blipFill>
-        <p:spPr>
-          <a:xfrm>
-            <a:off x="3415763" y="1873957"/>
-            <a:ext cx="5360473" cy="3110086"/>
-          </a:xfrm>
-          <a:prstGeom prst="rect">
-            <a:avLst/>
-          </a:prstGeom>
-          <a:ln w="3175">
-            <a:solidFill>
-              <a:schemeClr val="tx1">
-                <a:lumMod val="85000"/>
-                <a:lumOff val="15000"/>
-              </a:schemeClr>
-            </a:solidFill>
-          </a:ln>
-          <a:effectLst>
-            <a:outerShdw blurRad="50800" dist="38100" dir="2700000" algn="tl" rotWithShape="0">
-              <a:prstClr val="black">
-                <a:alpha val="40000"/>
-              </a:prstClr>
-            </a:outerShdw>
-          </a:effectLst>
-        </p:spPr>
-      </p:pic>
-      <p:sp>
-        <p:nvSpPr>
-          <p:cNvPr id="4" name="TextBox 3">
-            <a:extLst>
-              <a:ext uri="{FF2B5EF4-FFF2-40B4-BE49-F238E27FC236}">
-                <a16:creationId xmlns:a16="http://schemas.microsoft.com/office/drawing/2014/main" id="{254D31C2-4B69-448E-91CA-8D3471E1D240}"/>
-              </a:ext>
-            </a:extLst>
-          </p:cNvPr>
-          <p:cNvSpPr txBox="1"/>
-          <p:nvPr/>
-        </p:nvSpPr>
-        <p:spPr>
-          <a:xfrm>
-            <a:off x="0" y="6550223"/>
-            <a:ext cx="12192000" cy="307777"/>
-          </a:xfrm>
-          <a:prstGeom prst="rect">
-            <a:avLst/>
-          </a:prstGeom>
-          <a:noFill/>
-        </p:spPr>
-        <p:txBody>
-          <a:bodyPr wrap="square" rtlCol="0">
-            <a:spAutoFit/>
-          </a:bodyPr>
-          <a:lstStyle/>
-          <a:p>
-            <a:pPr>
-              <a:defRPr/>
-            </a:pPr>
-            <a:r>
-              <a:rPr lang="en-US" sz="1400" dirty="0">
-                <a:solidFill>
-                  <a:schemeClr val="tx1">
-                    <a:lumMod val="65000"/>
-                    <a:lumOff val="35000"/>
-                  </a:schemeClr>
-                </a:solidFill>
-                <a:latin typeface="+mj-lt"/>
-                <a:ea typeface="Verdana" panose="020B0604030504040204" pitchFamily="34" charset="0"/>
-              </a:rPr>
-              <a:t>Image Credit: https://cadetcall.org/1258/features/groundhog-day-movie-review/</a:t>
-            </a:r>
-            <a:endParaRPr lang="en-US" sz="1400" dirty="0">
-              <a:solidFill>
-                <a:schemeClr val="tx1">
-                  <a:lumMod val="65000"/>
-                  <a:lumOff val="35000"/>
-                </a:schemeClr>
-              </a:solidFill>
-              <a:latin typeface="+mj-lt"/>
-            </a:endParaRPr>
-          </a:p>
-        </p:txBody>
-      </p:sp>
-    </p:spTree>
-    <p:extLst>
-      <p:ext uri="{BB962C8B-B14F-4D97-AF65-F5344CB8AC3E}">
-        <p14:creationId xmlns:p14="http://schemas.microsoft.com/office/powerpoint/2010/main" val="2490555963"/>
-      </p:ext>
-    </p:extLst>
-  </p:cSld>
-  <p:clrMapOvr>
-    <a:masterClrMapping/>
-  </p:clrMapOvr>
-  <mc:AlternateContent xmlns:mc="http://schemas.openxmlformats.org/markup-compatibility/2006" xmlns:p14="http://schemas.microsoft.com/office/powerpoint/2010/main">
-    <mc:Choice Requires="p14">
-      <p:transition spd="med" p14:dur="700">
-        <p:fade/>
-      </p:transition>
-    </mc:Choice>
-    <mc:Fallback xmlns="">
-      <p:transition spd="med">
-        <p:fade/>
-      </p:transition>
-    </mc:Fallback>
-  </mc:AlternateContent>
-</p:sld>
-</file>
-
-<file path=ppt/slides/slide11.xml><?xml version="1.0" encoding="utf-8"?>
-<p:sld xmlns:a="http://schemas.openxmlformats.org/drawingml/2006/main" xmlns:r="http://schemas.openxmlformats.org/officeDocument/2006/relationships" xmlns:p="http://schemas.openxmlformats.org/presentationml/2006/main">
-  <p:cSld>
-    <p:spTree>
-      <p:nvGrpSpPr>
-        <p:cNvPr id="1" name=""/>
-        <p:cNvGrpSpPr/>
-        <p:nvPr/>
-      </p:nvGrpSpPr>
-      <p:grpSpPr>
-        <a:xfrm>
-          <a:off x="0" y="0"/>
-          <a:ext cx="0" cy="0"/>
-          <a:chOff x="0" y="0"/>
-          <a:chExt cx="0" cy="0"/>
-        </a:xfrm>
-      </p:grpSpPr>
-      <p:sp>
-        <p:nvSpPr>
-          <p:cNvPr id="4" name="Title 3">
-            <a:extLst>
-              <a:ext uri="{FF2B5EF4-FFF2-40B4-BE49-F238E27FC236}">
-                <a16:creationId xmlns:a16="http://schemas.microsoft.com/office/drawing/2014/main" id="{A022B8E0-DD9C-49D7-82FB-ACD3443312AF}"/>
-              </a:ext>
-            </a:extLst>
-          </p:cNvPr>
-          <p:cNvSpPr>
-            <a:spLocks noGrp="1"/>
-          </p:cNvSpPr>
-          <p:nvPr>
-            <p:ph type="title"/>
-          </p:nvPr>
-        </p:nvSpPr>
-        <p:spPr>
-          <a:xfrm>
-            <a:off x="0" y="3026427"/>
-            <a:ext cx="12192000" cy="805145"/>
-          </a:xfrm>
-        </p:spPr>
-        <p:txBody>
-          <a:bodyPr/>
-          <a:lstStyle/>
-          <a:p>
-            <a:r>
-              <a:rPr lang="en-US" sz="4400" dirty="0">
-                <a:solidFill>
-                  <a:schemeClr val="tx1">
-                    <a:lumMod val="65000"/>
-                    <a:lumOff val="35000"/>
-                  </a:schemeClr>
-                </a:solidFill>
-                <a:latin typeface="Palatino Linotype" panose="02040502050505030304" pitchFamily="18" charset="0"/>
-              </a:rPr>
-              <a:t>			19: Real-Estate Offer</a:t>
-            </a:r>
-            <a:endParaRPr lang="en-US" dirty="0">
-              <a:solidFill>
-                <a:schemeClr val="tx1">
-                  <a:lumMod val="65000"/>
-                  <a:lumOff val="35000"/>
-                </a:schemeClr>
-              </a:solidFill>
-              <a:latin typeface="Palatino Linotype" panose="02040502050505030304" pitchFamily="18" charset="0"/>
-            </a:endParaRPr>
-          </a:p>
-        </p:txBody>
-      </p:sp>
-      <p:pic>
-        <p:nvPicPr>
-          <p:cNvPr id="3" name="Picture 2">
-            <a:extLst>
-              <a:ext uri="{FF2B5EF4-FFF2-40B4-BE49-F238E27FC236}">
-                <a16:creationId xmlns:a16="http://schemas.microsoft.com/office/drawing/2014/main" id="{9DA7461A-60E5-4751-A948-37D1EF7AC045}"/>
-              </a:ext>
-            </a:extLst>
-          </p:cNvPr>
-          <p:cNvPicPr>
-            <a:picLocks noChangeAspect="1"/>
-          </p:cNvPicPr>
-          <p:nvPr/>
-        </p:nvPicPr>
-        <p:blipFill>
-          <a:blip r:embed="rId3"/>
-          <a:stretch>
-            <a:fillRect/>
-          </a:stretch>
-        </p:blipFill>
-        <p:spPr>
-          <a:xfrm>
-            <a:off x="0" y="365760"/>
-            <a:ext cx="3233668" cy="805144"/>
-          </a:xfrm>
-          <a:prstGeom prst="rect">
-            <a:avLst/>
-          </a:prstGeom>
-        </p:spPr>
-      </p:pic>
-      <p:sp>
-        <p:nvSpPr>
-          <p:cNvPr id="5" name="Title 3">
-            <a:extLst>
-              <a:ext uri="{FF2B5EF4-FFF2-40B4-BE49-F238E27FC236}">
-                <a16:creationId xmlns:a16="http://schemas.microsoft.com/office/drawing/2014/main" id="{10572D7D-949C-486F-8E47-404B5A2749DB}"/>
-              </a:ext>
-            </a:extLst>
-          </p:cNvPr>
-          <p:cNvSpPr txBox="1">
-            <a:spLocks/>
-          </p:cNvSpPr>
-          <p:nvPr/>
-        </p:nvSpPr>
-        <p:spPr>
-          <a:xfrm>
-            <a:off x="1" y="3930059"/>
-            <a:ext cx="12192000" cy="805146"/>
-          </a:xfrm>
-          <a:prstGeom prst="rect">
-            <a:avLst/>
-          </a:prstGeom>
-        </p:spPr>
-        <p:txBody>
-          <a:bodyPr vert="horz" lIns="91440" tIns="45720" rIns="91440" bIns="45720" rtlCol="0" anchor="ctr">
-            <a:normAutofit/>
-          </a:bodyPr>
-          <a:lstStyle>
-            <a:lvl1pPr algn="l" defTabSz="914400" rtl="0" eaLnBrk="1" latinLnBrk="0" hangingPunct="1">
-              <a:lnSpc>
-                <a:spcPct val="90000"/>
-              </a:lnSpc>
-              <a:spcBef>
-                <a:spcPct val="0"/>
-              </a:spcBef>
-              <a:buNone/>
-              <a:defRPr sz="4400" kern="1200">
-                <a:solidFill>
-                  <a:schemeClr val="tx1"/>
-                </a:solidFill>
-                <a:latin typeface="+mj-lt"/>
-                <a:ea typeface="+mj-ea"/>
-                <a:cs typeface="+mj-cs"/>
-              </a:defRPr>
-            </a:lvl1pPr>
-          </a:lstStyle>
-          <a:p>
-            <a:r>
-              <a:rPr lang="en-US" dirty="0">
-                <a:solidFill>
-                  <a:schemeClr val="tx1">
-                    <a:lumMod val="65000"/>
-                    <a:lumOff val="35000"/>
-                  </a:schemeClr>
-                </a:solidFill>
-                <a:latin typeface="Palatino Linotype" panose="02040502050505030304" pitchFamily="18" charset="0"/>
-              </a:rPr>
-              <a:t>			20: Using For Loops</a:t>
-            </a:r>
-          </a:p>
-        </p:txBody>
-      </p:sp>
-    </p:spTree>
-    <p:extLst>
-      <p:ext uri="{BB962C8B-B14F-4D97-AF65-F5344CB8AC3E}">
-        <p14:creationId xmlns:p14="http://schemas.microsoft.com/office/powerpoint/2010/main" val="2653785754"/>
-      </p:ext>
-    </p:extLst>
-  </p:cSld>
-  <p:clrMapOvr>
-    <a:masterClrMapping/>
-  </p:clrMapOvr>
-  <mc:AlternateContent xmlns:mc="http://schemas.openxmlformats.org/markup-compatibility/2006" xmlns:p14="http://schemas.microsoft.com/office/powerpoint/2010/main">
-    <mc:Choice Requires="p14">
-      <p:transition spd="med" p14:dur="700">
-        <p:fade/>
-      </p:transition>
-    </mc:Choice>
-    <mc:Fallback xmlns="">
-      <p:transition spd="med">
-        <p:fade/>
-      </p:transition>
-    </mc:Fallback>
-  </mc:AlternateContent>
-</p:sld>
-</file>
-
 <file path=ppt/slides/slide2.xml><?xml version="1.0" encoding="utf-8"?>
 <p:sld xmlns:a="http://schemas.openxmlformats.org/drawingml/2006/main" xmlns:r="http://schemas.openxmlformats.org/officeDocument/2006/relationships" xmlns:p="http://schemas.openxmlformats.org/presentationml/2006/main">
   <p:cSld>
@@ -5559,64 +4540,136 @@
           <a:chExt cx="0" cy="0"/>
         </a:xfrm>
       </p:grpSpPr>
-      <p:pic>
-        <p:nvPicPr>
-          <p:cNvPr id="1026" name="Picture 2">
-            <a:extLst>
-              <a:ext uri="{FF2B5EF4-FFF2-40B4-BE49-F238E27FC236}">
-                <a16:creationId xmlns:a16="http://schemas.microsoft.com/office/drawing/2014/main" id="{174BBB8B-5E8B-4A71-A913-9010484F67B4}"/>
-              </a:ext>
-            </a:extLst>
-          </p:cNvPr>
-          <p:cNvPicPr>
-            <a:picLocks noChangeAspect="1" noChangeArrowheads="1"/>
-          </p:cNvPicPr>
-          <p:nvPr/>
-        </p:nvPicPr>
-        <p:blipFill>
-          <a:blip r:embed="rId3">
-            <a:extLst>
-              <a:ext uri="{28A0092B-C50C-407E-A947-70E740481C1C}">
-                <a14:useLocalDpi xmlns:a14="http://schemas.microsoft.com/office/drawing/2010/main" val="0"/>
-              </a:ext>
-            </a:extLst>
-          </a:blip>
-          <a:srcRect/>
-          <a:stretch>
-            <a:fillRect/>
-          </a:stretch>
-        </p:blipFill>
-        <p:spPr bwMode="auto">
+      <p:sp>
+        <p:nvSpPr>
+          <p:cNvPr id="2" name="Title 1">
+            <a:extLst>
+              <a:ext uri="{FF2B5EF4-FFF2-40B4-BE49-F238E27FC236}">
+                <a16:creationId xmlns:a16="http://schemas.microsoft.com/office/drawing/2014/main" id="{8306FF31-301F-43F0-8202-A782726E446A}"/>
+              </a:ext>
+            </a:extLst>
+          </p:cNvPr>
+          <p:cNvSpPr>
+            <a:spLocks noGrp="1"/>
+          </p:cNvSpPr>
+          <p:nvPr>
+            <p:ph type="title"/>
+          </p:nvPr>
+        </p:nvSpPr>
+        <p:spPr>
           <a:xfrm>
-            <a:off x="4162425" y="1047750"/>
-            <a:ext cx="3867150" cy="4762500"/>
+            <a:off x="0" y="365127"/>
+            <a:ext cx="12191999" cy="827416"/>
           </a:xfrm>
-          <a:prstGeom prst="rect">
-            <a:avLst/>
-          </a:prstGeom>
-          <a:noFill/>
-          <a:effectLst>
-            <a:outerShdw blurRad="50800" dist="38100" dir="2700000" algn="tl" rotWithShape="0">
-              <a:prstClr val="black">
-                <a:alpha val="40000"/>
-              </a:prstClr>
-            </a:outerShdw>
-          </a:effectLst>
-          <a:extLst>
-            <a:ext uri="{909E8E84-426E-40DD-AFC4-6F175D3DCCD1}">
-              <a14:hiddenFill xmlns:a14="http://schemas.microsoft.com/office/drawing/2010/main">
+        </p:spPr>
+        <p:txBody>
+          <a:bodyPr>
+            <a:normAutofit/>
+          </a:bodyPr>
+          <a:lstStyle/>
+          <a:p>
+            <a:pPr algn="ctr"/>
+            <a:r>
+              <a:rPr lang="en-US" sz="4000" dirty="0">
+                <a:latin typeface="Palatino Linotype" panose="02040502050505030304" pitchFamily="18" charset="0"/>
+                <a:cs typeface="Segoe UI Light" panose="020B0502040204020203" pitchFamily="34" charset="0"/>
+              </a:rPr>
+              <a:t>Agenda</a:t>
+            </a:r>
+          </a:p>
+        </p:txBody>
+      </p:sp>
+      <p:sp>
+        <p:nvSpPr>
+          <p:cNvPr id="4" name="Content Placeholder 3">
+            <a:extLst>
+              <a:ext uri="{FF2B5EF4-FFF2-40B4-BE49-F238E27FC236}">
+                <a16:creationId xmlns:a16="http://schemas.microsoft.com/office/drawing/2014/main" id="{659531AF-92C6-4F92-AA59-2FD12D624E53}"/>
+              </a:ext>
+            </a:extLst>
+          </p:cNvPr>
+          <p:cNvSpPr>
+            <a:spLocks noGrp="1"/>
+          </p:cNvSpPr>
+          <p:nvPr>
+            <p:ph idx="1"/>
+          </p:nvPr>
+        </p:nvSpPr>
+        <p:spPr/>
+        <p:txBody>
+          <a:bodyPr>
+            <a:normAutofit/>
+          </a:bodyPr>
+          <a:lstStyle/>
+          <a:p>
+            <a:pPr>
+              <a:lnSpc>
+                <a:spcPct val="150000"/>
+              </a:lnSpc>
+              <a:buFont typeface="Wingdings" panose="05000000000000000000" pitchFamily="2" charset="2"/>
+              <a:buChar char="Ø"/>
+            </a:pPr>
+            <a:r>
+              <a:rPr lang="en-US" sz="3200" dirty="0">
                 <a:solidFill>
-                  <a:srgbClr val="FFFFFF"/>
+                  <a:schemeClr val="tx1">
+                    <a:lumMod val="75000"/>
+                    <a:lumOff val="25000"/>
+                  </a:schemeClr>
                 </a:solidFill>
-              </a14:hiddenFill>
-            </a:ext>
-          </a:extLst>
-        </p:spPr>
-      </p:pic>
+                <a:latin typeface="Palatino Linotype" panose="02040502050505030304" pitchFamily="18" charset="0"/>
+              </a:rPr>
+              <a:t> Booleans</a:t>
+            </a:r>
+          </a:p>
+          <a:p>
+            <a:pPr>
+              <a:lnSpc>
+                <a:spcPct val="150000"/>
+              </a:lnSpc>
+              <a:buFont typeface="Wingdings" panose="05000000000000000000" pitchFamily="2" charset="2"/>
+              <a:buChar char="Ø"/>
+            </a:pPr>
+            <a:r>
+              <a:rPr lang="en-US" sz="3200" dirty="0">
+                <a:solidFill>
+                  <a:schemeClr val="tx1">
+                    <a:lumMod val="75000"/>
+                    <a:lumOff val="25000"/>
+                  </a:schemeClr>
+                </a:solidFill>
+                <a:latin typeface="Palatino Linotype" panose="02040502050505030304" pitchFamily="18" charset="0"/>
+              </a:rPr>
+              <a:t> Conditionals</a:t>
+            </a:r>
+          </a:p>
+          <a:p>
+            <a:pPr>
+              <a:lnSpc>
+                <a:spcPct val="150000"/>
+              </a:lnSpc>
+              <a:buFont typeface="Wingdings" panose="05000000000000000000" pitchFamily="2" charset="2"/>
+              <a:buChar char="Ø"/>
+            </a:pPr>
+            <a:r>
+              <a:rPr lang="en-US" sz="3200" dirty="0">
+                <a:solidFill>
+                  <a:schemeClr val="tx1">
+                    <a:lumMod val="75000"/>
+                    <a:lumOff val="25000"/>
+                  </a:schemeClr>
+                </a:solidFill>
+                <a:latin typeface="Palatino Linotype" panose="02040502050505030304" pitchFamily="18" charset="0"/>
+              </a:rPr>
+              <a:t> Loops</a:t>
+            </a:r>
+          </a:p>
+        </p:txBody>
+      </p:sp>
     </p:spTree>
     <p:extLst>
       <p:ext uri="{BB962C8B-B14F-4D97-AF65-F5344CB8AC3E}">
-        <p14:creationId xmlns:p14="http://schemas.microsoft.com/office/powerpoint/2010/main" val="1484206410"/>
+        <p14:creationId xmlns:p14="http://schemas.microsoft.com/office/powerpoint/2010/main" val="3933901158"/>
       </p:ext>
     </p:extLst>
   </p:cSld>
@@ -5655,174 +4708,6 @@
           <a:chExt cx="0" cy="0"/>
         </a:xfrm>
       </p:grpSpPr>
-      <p:sp>
-        <p:nvSpPr>
-          <p:cNvPr id="2" name="Title 1">
-            <a:extLst>
-              <a:ext uri="{FF2B5EF4-FFF2-40B4-BE49-F238E27FC236}">
-                <a16:creationId xmlns:a16="http://schemas.microsoft.com/office/drawing/2014/main" id="{8306FF31-301F-43F0-8202-A782726E446A}"/>
-              </a:ext>
-            </a:extLst>
-          </p:cNvPr>
-          <p:cNvSpPr>
-            <a:spLocks noGrp="1"/>
-          </p:cNvSpPr>
-          <p:nvPr>
-            <p:ph type="title"/>
-          </p:nvPr>
-        </p:nvSpPr>
-        <p:spPr>
-          <a:xfrm>
-            <a:off x="0" y="365127"/>
-            <a:ext cx="12191999" cy="827416"/>
-          </a:xfrm>
-        </p:spPr>
-        <p:txBody>
-          <a:bodyPr>
-            <a:normAutofit/>
-          </a:bodyPr>
-          <a:lstStyle/>
-          <a:p>
-            <a:pPr algn="ctr"/>
-            <a:r>
-              <a:rPr lang="en-US" sz="4000" dirty="0">
-                <a:latin typeface="Palatino Linotype" panose="02040502050505030304" pitchFamily="18" charset="0"/>
-                <a:cs typeface="Segoe UI Light" panose="020B0502040204020203" pitchFamily="34" charset="0"/>
-              </a:rPr>
-              <a:t>Agenda</a:t>
-            </a:r>
-          </a:p>
-        </p:txBody>
-      </p:sp>
-      <p:sp>
-        <p:nvSpPr>
-          <p:cNvPr id="4" name="Content Placeholder 3">
-            <a:extLst>
-              <a:ext uri="{FF2B5EF4-FFF2-40B4-BE49-F238E27FC236}">
-                <a16:creationId xmlns:a16="http://schemas.microsoft.com/office/drawing/2014/main" id="{659531AF-92C6-4F92-AA59-2FD12D624E53}"/>
-              </a:ext>
-            </a:extLst>
-          </p:cNvPr>
-          <p:cNvSpPr>
-            <a:spLocks noGrp="1"/>
-          </p:cNvSpPr>
-          <p:nvPr>
-            <p:ph idx="1"/>
-          </p:nvPr>
-        </p:nvSpPr>
-        <p:spPr/>
-        <p:txBody>
-          <a:bodyPr>
-            <a:normAutofit/>
-          </a:bodyPr>
-          <a:lstStyle/>
-          <a:p>
-            <a:pPr>
-              <a:lnSpc>
-                <a:spcPct val="150000"/>
-              </a:lnSpc>
-              <a:buFont typeface="Wingdings" panose="05000000000000000000" pitchFamily="2" charset="2"/>
-              <a:buChar char="Ø"/>
-            </a:pPr>
-            <a:r>
-              <a:rPr lang="en-US" sz="3200" dirty="0">
-                <a:solidFill>
-                  <a:schemeClr val="tx1">
-                    <a:lumMod val="75000"/>
-                    <a:lumOff val="25000"/>
-                  </a:schemeClr>
-                </a:solidFill>
-                <a:latin typeface="Palatino Linotype" panose="02040502050505030304" pitchFamily="18" charset="0"/>
-              </a:rPr>
-              <a:t> Booleans</a:t>
-            </a:r>
-          </a:p>
-          <a:p>
-            <a:pPr>
-              <a:lnSpc>
-                <a:spcPct val="150000"/>
-              </a:lnSpc>
-              <a:buFont typeface="Wingdings" panose="05000000000000000000" pitchFamily="2" charset="2"/>
-              <a:buChar char="Ø"/>
-            </a:pPr>
-            <a:r>
-              <a:rPr lang="en-US" sz="3200" dirty="0">
-                <a:solidFill>
-                  <a:schemeClr val="tx1">
-                    <a:lumMod val="75000"/>
-                    <a:lumOff val="25000"/>
-                  </a:schemeClr>
-                </a:solidFill>
-                <a:latin typeface="Palatino Linotype" panose="02040502050505030304" pitchFamily="18" charset="0"/>
-              </a:rPr>
-              <a:t> Conditionals</a:t>
-            </a:r>
-          </a:p>
-          <a:p>
-            <a:pPr>
-              <a:lnSpc>
-                <a:spcPct val="150000"/>
-              </a:lnSpc>
-              <a:buFont typeface="Wingdings" panose="05000000000000000000" pitchFamily="2" charset="2"/>
-              <a:buChar char="Ø"/>
-            </a:pPr>
-            <a:r>
-              <a:rPr lang="en-US" sz="3200" dirty="0">
-                <a:solidFill>
-                  <a:schemeClr val="tx1">
-                    <a:lumMod val="75000"/>
-                    <a:lumOff val="25000"/>
-                  </a:schemeClr>
-                </a:solidFill>
-                <a:latin typeface="Palatino Linotype" panose="02040502050505030304" pitchFamily="18" charset="0"/>
-              </a:rPr>
-              <a:t> Loops</a:t>
-            </a:r>
-          </a:p>
-        </p:txBody>
-      </p:sp>
-    </p:spTree>
-    <p:extLst>
-      <p:ext uri="{BB962C8B-B14F-4D97-AF65-F5344CB8AC3E}">
-        <p14:creationId xmlns:p14="http://schemas.microsoft.com/office/powerpoint/2010/main" val="3933901158"/>
-      </p:ext>
-    </p:extLst>
-  </p:cSld>
-  <p:clrMapOvr>
-    <a:masterClrMapping/>
-  </p:clrMapOvr>
-  <mc:AlternateContent xmlns:mc="http://schemas.openxmlformats.org/markup-compatibility/2006" xmlns:p14="http://schemas.microsoft.com/office/powerpoint/2010/main">
-    <mc:Choice Requires="p14">
-      <p:transition spd="med" p14:dur="700">
-        <p:fade/>
-      </p:transition>
-    </mc:Choice>
-    <mc:Fallback xmlns="">
-      <p:transition spd="med">
-        <p:fade/>
-      </p:transition>
-    </mc:Fallback>
-  </mc:AlternateContent>
-</p:sld>
-</file>
-
-<file path=ppt/slides/slide4.xml><?xml version="1.0" encoding="utf-8"?>
-<p:sld xmlns:a="http://schemas.openxmlformats.org/drawingml/2006/main" xmlns:r="http://schemas.openxmlformats.org/officeDocument/2006/relationships" xmlns:p="http://schemas.openxmlformats.org/presentationml/2006/main">
-  <p:cSld>
-    <p:spTree>
-      <p:nvGrpSpPr>
-        <p:cNvPr id="1" name=""/>
-        <p:cNvGrpSpPr/>
-        <p:nvPr/>
-      </p:nvGrpSpPr>
-      <p:grpSpPr>
-        <a:xfrm>
-          <a:off x="0" y="0"/>
-          <a:ext cx="0" cy="0"/>
-          <a:chOff x="0" y="0"/>
-          <a:chExt cx="0" cy="0"/>
-        </a:xfrm>
-      </p:grpSpPr>
       <p:pic>
         <p:nvPicPr>
           <p:cNvPr id="1026" name="Picture 2" descr="George Boole: Five things you need to know about the man behind today&amp;#39;s  Google Doodle | The Independent | The Independent">
@@ -5954,141 +4839,7 @@
 </p:sld>
 </file>
 
-<file path=ppt/slides/slide5.xml><?xml version="1.0" encoding="utf-8"?>
-<p:sld xmlns:a="http://schemas.openxmlformats.org/drawingml/2006/main" xmlns:r="http://schemas.openxmlformats.org/officeDocument/2006/relationships" xmlns:p="http://schemas.openxmlformats.org/presentationml/2006/main">
-  <p:cSld>
-    <p:spTree>
-      <p:nvGrpSpPr>
-        <p:cNvPr id="1" name=""/>
-        <p:cNvGrpSpPr/>
-        <p:nvPr/>
-      </p:nvGrpSpPr>
-      <p:grpSpPr>
-        <a:xfrm>
-          <a:off x="0" y="0"/>
-          <a:ext cx="0" cy="0"/>
-          <a:chOff x="0" y="0"/>
-          <a:chExt cx="0" cy="0"/>
-        </a:xfrm>
-      </p:grpSpPr>
-      <p:sp>
-        <p:nvSpPr>
-          <p:cNvPr id="4" name="Title 3">
-            <a:extLst>
-              <a:ext uri="{FF2B5EF4-FFF2-40B4-BE49-F238E27FC236}">
-                <a16:creationId xmlns:a16="http://schemas.microsoft.com/office/drawing/2014/main" id="{A022B8E0-DD9C-49D7-82FB-ACD3443312AF}"/>
-              </a:ext>
-            </a:extLst>
-          </p:cNvPr>
-          <p:cNvSpPr>
-            <a:spLocks noGrp="1"/>
-          </p:cNvSpPr>
-          <p:nvPr>
-            <p:ph type="title"/>
-          </p:nvPr>
-        </p:nvSpPr>
-        <p:spPr>
-          <a:xfrm>
-            <a:off x="0" y="3026427"/>
-            <a:ext cx="12192000" cy="805145"/>
-          </a:xfrm>
-        </p:spPr>
-        <p:txBody>
-          <a:bodyPr/>
-          <a:lstStyle/>
-          <a:p>
-            <a:r>
-              <a:rPr lang="en-US" dirty="0">
-                <a:solidFill>
-                  <a:schemeClr val="tx1">
-                    <a:lumMod val="65000"/>
-                    <a:lumOff val="35000"/>
-                  </a:schemeClr>
-                </a:solidFill>
-                <a:latin typeface="Palatino Linotype" panose="02040502050505030304" pitchFamily="18" charset="0"/>
-              </a:rPr>
-              <a:t>			</a:t>
-            </a:r>
-            <a:r>
-              <a:rPr lang="en-US" sz="4400" dirty="0">
-                <a:solidFill>
-                  <a:schemeClr val="tx1">
-                    <a:lumMod val="65000"/>
-                    <a:lumOff val="35000"/>
-                  </a:schemeClr>
-                </a:solidFill>
-                <a:latin typeface="Palatino Linotype" panose="02040502050505030304" pitchFamily="18" charset="0"/>
-              </a:rPr>
-              <a:t>13: Boolean Variables</a:t>
-            </a:r>
-            <a:endParaRPr lang="en-US" dirty="0">
-              <a:solidFill>
-                <a:schemeClr val="tx1">
-                  <a:lumMod val="65000"/>
-                  <a:lumOff val="35000"/>
-                </a:schemeClr>
-              </a:solidFill>
-              <a:latin typeface="Palatino Linotype" panose="02040502050505030304" pitchFamily="18" charset="0"/>
-            </a:endParaRPr>
-          </a:p>
-        </p:txBody>
-      </p:sp>
-      <p:pic>
-        <p:nvPicPr>
-          <p:cNvPr id="5" name="Picture 4">
-            <a:extLst>
-              <a:ext uri="{FF2B5EF4-FFF2-40B4-BE49-F238E27FC236}">
-                <a16:creationId xmlns:a16="http://schemas.microsoft.com/office/drawing/2014/main" id="{6222BCD1-20CC-4F0F-A01C-121CCBB9FC9E}"/>
-              </a:ext>
-            </a:extLst>
-          </p:cNvPr>
-          <p:cNvPicPr>
-            <a:picLocks noChangeAspect="1"/>
-          </p:cNvPicPr>
-          <p:nvPr/>
-        </p:nvPicPr>
-        <p:blipFill>
-          <a:blip r:embed="rId3"/>
-          <a:stretch>
-            <a:fillRect/>
-          </a:stretch>
-        </p:blipFill>
-        <p:spPr>
-          <a:xfrm>
-            <a:off x="0" y="365760"/>
-            <a:ext cx="3233668" cy="805144"/>
-          </a:xfrm>
-          <a:prstGeom prst="rect">
-            <a:avLst/>
-          </a:prstGeom>
-        </p:spPr>
-      </p:pic>
-    </p:spTree>
-    <p:extLst>
-      <p:ext uri="{BB962C8B-B14F-4D97-AF65-F5344CB8AC3E}">
-        <p14:creationId xmlns:p14="http://schemas.microsoft.com/office/powerpoint/2010/main" val="2261991877"/>
-      </p:ext>
-    </p:extLst>
-  </p:cSld>
-  <p:clrMapOvr>
-    <a:masterClrMapping/>
-  </p:clrMapOvr>
-  <mc:AlternateContent xmlns:mc="http://schemas.openxmlformats.org/markup-compatibility/2006" xmlns:p14="http://schemas.microsoft.com/office/powerpoint/2010/main">
-    <mc:Choice Requires="p14">
-      <p:transition spd="med" p14:dur="700">
-        <p:fade/>
-      </p:transition>
-    </mc:Choice>
-    <mc:Fallback xmlns="">
-      <p:transition spd="med">
-        <p:fade/>
-      </p:transition>
-    </mc:Fallback>
-  </mc:AlternateContent>
-</p:sld>
-</file>
-
-<file path=ppt/slides/slide6.xml><?xml version="1.0" encoding="utf-8"?>
+<file path=ppt/slides/slide4.xml><?xml version="1.0" encoding="utf-8"?>
 <p:sld xmlns:a="http://schemas.openxmlformats.org/drawingml/2006/main" xmlns:r="http://schemas.openxmlformats.org/officeDocument/2006/relationships" xmlns:p="http://schemas.openxmlformats.org/presentationml/2006/main">
   <p:cSld>
     <p:spTree>
@@ -6160,203 +4911,7 @@
 </p:sld>
 </file>
 
-<file path=ppt/slides/slide7.xml><?xml version="1.0" encoding="utf-8"?>
-<p:sld xmlns:a="http://schemas.openxmlformats.org/drawingml/2006/main" xmlns:r="http://schemas.openxmlformats.org/officeDocument/2006/relationships" xmlns:p="http://schemas.openxmlformats.org/presentationml/2006/main">
-  <p:cSld>
-    <p:spTree>
-      <p:nvGrpSpPr>
-        <p:cNvPr id="1" name=""/>
-        <p:cNvGrpSpPr/>
-        <p:nvPr/>
-      </p:nvGrpSpPr>
-      <p:grpSpPr>
-        <a:xfrm>
-          <a:off x="0" y="0"/>
-          <a:ext cx="0" cy="0"/>
-          <a:chOff x="0" y="0"/>
-          <a:chExt cx="0" cy="0"/>
-        </a:xfrm>
-      </p:grpSpPr>
-      <p:sp>
-        <p:nvSpPr>
-          <p:cNvPr id="4" name="Title 3">
-            <a:extLst>
-              <a:ext uri="{FF2B5EF4-FFF2-40B4-BE49-F238E27FC236}">
-                <a16:creationId xmlns:a16="http://schemas.microsoft.com/office/drawing/2014/main" id="{A022B8E0-DD9C-49D7-82FB-ACD3443312AF}"/>
-              </a:ext>
-            </a:extLst>
-          </p:cNvPr>
-          <p:cNvSpPr>
-            <a:spLocks noGrp="1"/>
-          </p:cNvSpPr>
-          <p:nvPr>
-            <p:ph type="title"/>
-          </p:nvPr>
-        </p:nvSpPr>
-        <p:spPr>
-          <a:xfrm>
-            <a:off x="0" y="2779121"/>
-            <a:ext cx="12192000" cy="907871"/>
-          </a:xfrm>
-        </p:spPr>
-        <p:txBody>
-          <a:bodyPr/>
-          <a:lstStyle/>
-          <a:p>
-            <a:r>
-              <a:rPr lang="en-US" dirty="0">
-                <a:solidFill>
-                  <a:schemeClr val="tx1">
-                    <a:lumMod val="65000"/>
-                    <a:lumOff val="35000"/>
-                  </a:schemeClr>
-                </a:solidFill>
-                <a:latin typeface="Palatino Linotype" panose="02040502050505030304" pitchFamily="18" charset="0"/>
-              </a:rPr>
-              <a:t>		</a:t>
-            </a:r>
-            <a:r>
-              <a:rPr lang="en-US" sz="4400" dirty="0">
-                <a:solidFill>
-                  <a:schemeClr val="tx1">
-                    <a:lumMod val="65000"/>
-                    <a:lumOff val="35000"/>
-                  </a:schemeClr>
-                </a:solidFill>
-                <a:latin typeface="Palatino Linotype" panose="02040502050505030304" pitchFamily="18" charset="0"/>
-              </a:rPr>
-              <a:t>14: Comparison Operators</a:t>
-            </a:r>
-            <a:endParaRPr lang="en-US" dirty="0">
-              <a:solidFill>
-                <a:schemeClr val="tx1">
-                  <a:lumMod val="65000"/>
-                  <a:lumOff val="35000"/>
-                </a:schemeClr>
-              </a:solidFill>
-              <a:latin typeface="Palatino Linotype" panose="02040502050505030304" pitchFamily="18" charset="0"/>
-            </a:endParaRPr>
-          </a:p>
-        </p:txBody>
-      </p:sp>
-      <p:pic>
-        <p:nvPicPr>
-          <p:cNvPr id="3" name="Picture 2">
-            <a:extLst>
-              <a:ext uri="{FF2B5EF4-FFF2-40B4-BE49-F238E27FC236}">
-                <a16:creationId xmlns:a16="http://schemas.microsoft.com/office/drawing/2014/main" id="{6A828C8F-C6FC-460C-858A-14EB3041E298}"/>
-              </a:ext>
-            </a:extLst>
-          </p:cNvPr>
-          <p:cNvPicPr>
-            <a:picLocks noChangeAspect="1"/>
-          </p:cNvPicPr>
-          <p:nvPr/>
-        </p:nvPicPr>
-        <p:blipFill>
-          <a:blip r:embed="rId3"/>
-          <a:stretch>
-            <a:fillRect/>
-          </a:stretch>
-        </p:blipFill>
-        <p:spPr>
-          <a:xfrm>
-            <a:off x="0" y="365760"/>
-            <a:ext cx="3233668" cy="805144"/>
-          </a:xfrm>
-          <a:prstGeom prst="rect">
-            <a:avLst/>
-          </a:prstGeom>
-        </p:spPr>
-      </p:pic>
-      <p:sp>
-        <p:nvSpPr>
-          <p:cNvPr id="5" name="Title 3">
-            <a:extLst>
-              <a:ext uri="{FF2B5EF4-FFF2-40B4-BE49-F238E27FC236}">
-                <a16:creationId xmlns:a16="http://schemas.microsoft.com/office/drawing/2014/main" id="{94547231-8396-432F-A4EA-B4E0FD95503B}"/>
-              </a:ext>
-            </a:extLst>
-          </p:cNvPr>
-          <p:cNvSpPr txBox="1">
-            <a:spLocks/>
-          </p:cNvSpPr>
-          <p:nvPr/>
-        </p:nvSpPr>
-        <p:spPr>
-          <a:xfrm>
-            <a:off x="0" y="3686992"/>
-            <a:ext cx="12192000" cy="907870"/>
-          </a:xfrm>
-          <a:prstGeom prst="rect">
-            <a:avLst/>
-          </a:prstGeom>
-        </p:spPr>
-        <p:txBody>
-          <a:bodyPr vert="horz" lIns="91440" tIns="45720" rIns="91440" bIns="45720" rtlCol="0" anchor="ctr">
-            <a:normAutofit/>
-          </a:bodyPr>
-          <a:lstStyle>
-            <a:lvl1pPr algn="l" defTabSz="914400" rtl="0" eaLnBrk="1" latinLnBrk="0" hangingPunct="1">
-              <a:lnSpc>
-                <a:spcPct val="90000"/>
-              </a:lnSpc>
-              <a:spcBef>
-                <a:spcPct val="0"/>
-              </a:spcBef>
-              <a:buNone/>
-              <a:defRPr sz="4400" kern="1200">
-                <a:solidFill>
-                  <a:schemeClr val="tx1"/>
-                </a:solidFill>
-                <a:latin typeface="+mj-lt"/>
-                <a:ea typeface="+mj-ea"/>
-                <a:cs typeface="+mj-cs"/>
-              </a:defRPr>
-            </a:lvl1pPr>
-          </a:lstStyle>
-          <a:p>
-            <a:r>
-              <a:rPr lang="en-US" dirty="0">
-                <a:solidFill>
-                  <a:schemeClr val="tx1">
-                    <a:lumMod val="65000"/>
-                    <a:lumOff val="35000"/>
-                  </a:schemeClr>
-                </a:solidFill>
-                <a:latin typeface="Palatino Linotype" panose="02040502050505030304" pitchFamily="18" charset="0"/>
-              </a:rPr>
-              <a:t>		15: Comparing Strings</a:t>
-            </a:r>
-          </a:p>
-        </p:txBody>
-      </p:sp>
-    </p:spTree>
-    <p:extLst>
-      <p:ext uri="{BB962C8B-B14F-4D97-AF65-F5344CB8AC3E}">
-        <p14:creationId xmlns:p14="http://schemas.microsoft.com/office/powerpoint/2010/main" val="2443664004"/>
-      </p:ext>
-    </p:extLst>
-  </p:cSld>
-  <p:clrMapOvr>
-    <a:masterClrMapping/>
-  </p:clrMapOvr>
-  <mc:AlternateContent xmlns:mc="http://schemas.openxmlformats.org/markup-compatibility/2006" xmlns:p14="http://schemas.microsoft.com/office/powerpoint/2010/main">
-    <mc:Choice Requires="p14">
-      <p:transition spd="med" p14:dur="700">
-        <p:fade/>
-      </p:transition>
-    </mc:Choice>
-    <mc:Fallback xmlns="">
-      <p:transition spd="med">
-        <p:fade/>
-      </p:transition>
-    </mc:Fallback>
-  </mc:AlternateContent>
-</p:sld>
-</file>
-
-<file path=ppt/slides/slide8.xml><?xml version="1.0" encoding="utf-8"?>
+<file path=ppt/slides/slide5.xml><?xml version="1.0" encoding="utf-8"?>
 <p:sld xmlns:a="http://schemas.openxmlformats.org/drawingml/2006/main" xmlns:r="http://schemas.openxmlformats.org/officeDocument/2006/relationships" xmlns:p="http://schemas.openxmlformats.org/presentationml/2006/main">
   <p:cSld>
     <p:spTree>
@@ -6529,7 +5084,7 @@
 </p:sld>
 </file>
 
-<file path=ppt/slides/slide9.xml><?xml version="1.0" encoding="utf-8"?>
+<file path=ppt/slides/slide6.xml><?xml version="1.0" encoding="utf-8"?>
 <p:sld xmlns:a="http://schemas.openxmlformats.org/drawingml/2006/main" xmlns:r="http://schemas.openxmlformats.org/officeDocument/2006/relationships" xmlns:p="http://schemas.openxmlformats.org/presentationml/2006/main">
   <p:cSld>
     <p:spTree>
@@ -6548,10 +5103,10 @@
       </p:grpSpPr>
       <p:sp>
         <p:nvSpPr>
-          <p:cNvPr id="4" name="Title 3">
-            <a:extLst>
-              <a:ext uri="{FF2B5EF4-FFF2-40B4-BE49-F238E27FC236}">
-                <a16:creationId xmlns:a16="http://schemas.microsoft.com/office/drawing/2014/main" id="{A022B8E0-DD9C-49D7-82FB-ACD3443312AF}"/>
+          <p:cNvPr id="3" name="Title 2">
+            <a:extLst>
+              <a:ext uri="{FF2B5EF4-FFF2-40B4-BE49-F238E27FC236}">
+                <a16:creationId xmlns:a16="http://schemas.microsoft.com/office/drawing/2014/main" id="{91E63CD1-F27B-4638-8B76-CA32C6A9CFB6}"/>
               </a:ext>
             </a:extLst>
           </p:cNvPr>
@@ -6562,136 +5117,126 @@
             <p:ph type="title"/>
           </p:nvPr>
         </p:nvSpPr>
+        <p:spPr/>
+        <p:txBody>
+          <a:bodyPr/>
+          <a:lstStyle/>
+          <a:p>
+            <a:endParaRPr lang="en-US"/>
+          </a:p>
+        </p:txBody>
+      </p:sp>
+      <p:pic>
+        <p:nvPicPr>
+          <p:cNvPr id="6" name="Picture 5">
+            <a:extLst>
+              <a:ext uri="{FF2B5EF4-FFF2-40B4-BE49-F238E27FC236}">
+                <a16:creationId xmlns:a16="http://schemas.microsoft.com/office/drawing/2014/main" id="{BA1DF139-D5EF-4EFF-99E4-BA4469CE8438}"/>
+              </a:ext>
+            </a:extLst>
+          </p:cNvPr>
+          <p:cNvPicPr>
+            <a:picLocks noChangeAspect="1"/>
+          </p:cNvPicPr>
+          <p:nvPr/>
+        </p:nvPicPr>
+        <p:blipFill>
+          <a:blip r:embed="rId3">
+            <a:extLst>
+              <a:ext uri="{28A0092B-C50C-407E-A947-70E740481C1C}">
+                <a14:useLocalDpi xmlns:a14="http://schemas.microsoft.com/office/drawing/2010/main" val="0"/>
+              </a:ext>
+            </a:extLst>
+          </a:blip>
+          <a:stretch>
+            <a:fillRect/>
+          </a:stretch>
+        </p:blipFill>
         <p:spPr>
           <a:xfrm>
-            <a:off x="0" y="3026427"/>
-            <a:ext cx="12192000" cy="805145"/>
+            <a:off x="3415763" y="1873957"/>
+            <a:ext cx="5360473" cy="3110086"/>
           </a:xfrm>
+          <a:prstGeom prst="rect">
+            <a:avLst/>
+          </a:prstGeom>
+          <a:ln w="3175">
+            <a:solidFill>
+              <a:schemeClr val="tx1">
+                <a:lumMod val="85000"/>
+                <a:lumOff val="15000"/>
+              </a:schemeClr>
+            </a:solidFill>
+          </a:ln>
+          <a:effectLst>
+            <a:outerShdw blurRad="50800" dist="38100" dir="2700000" algn="tl" rotWithShape="0">
+              <a:prstClr val="black">
+                <a:alpha val="40000"/>
+              </a:prstClr>
+            </a:outerShdw>
+          </a:effectLst>
         </p:spPr>
-        <p:txBody>
-          <a:bodyPr/>
-          <a:lstStyle/>
-          <a:p>
-            <a:r>
-              <a:rPr lang="en-US" sz="4400" dirty="0">
+      </p:pic>
+      <p:sp>
+        <p:nvSpPr>
+          <p:cNvPr id="4" name="TextBox 3">
+            <a:extLst>
+              <a:ext uri="{FF2B5EF4-FFF2-40B4-BE49-F238E27FC236}">
+                <a16:creationId xmlns:a16="http://schemas.microsoft.com/office/drawing/2014/main" id="{254D31C2-4B69-448E-91CA-8D3471E1D240}"/>
+              </a:ext>
+            </a:extLst>
+          </p:cNvPr>
+          <p:cNvSpPr txBox="1"/>
+          <p:nvPr/>
+        </p:nvSpPr>
+        <p:spPr>
+          <a:xfrm>
+            <a:off x="0" y="6550223"/>
+            <a:ext cx="12192000" cy="307777"/>
+          </a:xfrm>
+          <a:prstGeom prst="rect">
+            <a:avLst/>
+          </a:prstGeom>
+          <a:noFill/>
+        </p:spPr>
+        <p:txBody>
+          <a:bodyPr wrap="square" rtlCol="0">
+            <a:spAutoFit/>
+          </a:bodyPr>
+          <a:lstStyle/>
+          <a:p>
+            <a:pPr>
+              <a:defRPr/>
+            </a:pPr>
+            <a:r>
+              <a:rPr lang="en-US" sz="1400" dirty="0">
                 <a:solidFill>
                   <a:schemeClr val="tx1">
                     <a:lumMod val="65000"/>
                     <a:lumOff val="35000"/>
                   </a:schemeClr>
                 </a:solidFill>
-                <a:latin typeface="Palatino Linotype" panose="02040502050505030304" pitchFamily="18" charset="0"/>
+                <a:latin typeface="+mj-lt"/>
+                <a:ea typeface="Verdana" panose="020B0604030504040204" pitchFamily="34" charset="0"/>
               </a:rPr>
-              <a:t>			16: If Syntax</a:t>
-            </a:r>
-            <a:endParaRPr lang="en-US" dirty="0">
+              <a:t>Image Credit: https://cadetcall.org/1258/features/groundhog-day-movie-review/</a:t>
+            </a:r>
+            <a:endParaRPr lang="en-US" sz="1400" dirty="0">
               <a:solidFill>
                 <a:schemeClr val="tx1">
                   <a:lumMod val="65000"/>
                   <a:lumOff val="35000"/>
                 </a:schemeClr>
               </a:solidFill>
-              <a:latin typeface="Palatino Linotype" panose="02040502050505030304" pitchFamily="18" charset="0"/>
+              <a:latin typeface="+mj-lt"/>
             </a:endParaRPr>
-          </a:p>
-        </p:txBody>
-      </p:sp>
-      <p:pic>
-        <p:nvPicPr>
-          <p:cNvPr id="3" name="Picture 2">
-            <a:extLst>
-              <a:ext uri="{FF2B5EF4-FFF2-40B4-BE49-F238E27FC236}">
-                <a16:creationId xmlns:a16="http://schemas.microsoft.com/office/drawing/2014/main" id="{F29741D3-3188-4A22-951F-DEE89F8E91EA}"/>
-              </a:ext>
-            </a:extLst>
-          </p:cNvPr>
-          <p:cNvPicPr>
-            <a:picLocks noChangeAspect="1"/>
-          </p:cNvPicPr>
-          <p:nvPr/>
-        </p:nvPicPr>
-        <p:blipFill>
-          <a:blip r:embed="rId3"/>
-          <a:stretch>
-            <a:fillRect/>
-          </a:stretch>
-        </p:blipFill>
-        <p:spPr>
-          <a:xfrm>
-            <a:off x="0" y="365760"/>
-            <a:ext cx="3233668" cy="805144"/>
-          </a:xfrm>
-          <a:prstGeom prst="rect">
-            <a:avLst/>
-          </a:prstGeom>
-        </p:spPr>
-      </p:pic>
-      <p:sp>
-        <p:nvSpPr>
-          <p:cNvPr id="5" name="Title 3">
-            <a:extLst>
-              <a:ext uri="{FF2B5EF4-FFF2-40B4-BE49-F238E27FC236}">
-                <a16:creationId xmlns:a16="http://schemas.microsoft.com/office/drawing/2014/main" id="{ECFE3192-5838-4C75-AFEF-4C22F10B0CA9}"/>
-              </a:ext>
-            </a:extLst>
-          </p:cNvPr>
-          <p:cNvSpPr txBox="1">
-            <a:spLocks/>
-          </p:cNvSpPr>
-          <p:nvPr/>
-        </p:nvSpPr>
-        <p:spPr>
-          <a:xfrm>
-            <a:off x="1" y="3898332"/>
-            <a:ext cx="12192000" cy="805146"/>
-          </a:xfrm>
-          <a:prstGeom prst="rect">
-            <a:avLst/>
-          </a:prstGeom>
-        </p:spPr>
-        <p:txBody>
-          <a:bodyPr vert="horz" lIns="91440" tIns="45720" rIns="91440" bIns="45720" rtlCol="0" anchor="ctr">
-            <a:normAutofit/>
-          </a:bodyPr>
-          <a:lstStyle>
-            <a:lvl1pPr algn="l" defTabSz="914400" rtl="0" eaLnBrk="1" latinLnBrk="0" hangingPunct="1">
-              <a:lnSpc>
-                <a:spcPct val="90000"/>
-              </a:lnSpc>
-              <a:spcBef>
-                <a:spcPct val="0"/>
-              </a:spcBef>
-              <a:buNone/>
-              <a:defRPr sz="4400" kern="1200">
-                <a:solidFill>
-                  <a:schemeClr val="tx1"/>
-                </a:solidFill>
-                <a:latin typeface="+mj-lt"/>
-                <a:ea typeface="+mj-ea"/>
-                <a:cs typeface="+mj-cs"/>
-              </a:defRPr>
-            </a:lvl1pPr>
-          </a:lstStyle>
-          <a:p>
-            <a:r>
-              <a:rPr lang="en-US" dirty="0">
-                <a:solidFill>
-                  <a:schemeClr val="tx1">
-                    <a:lumMod val="65000"/>
-                    <a:lumOff val="35000"/>
-                  </a:schemeClr>
-                </a:solidFill>
-                <a:latin typeface="Palatino Linotype" panose="02040502050505030304" pitchFamily="18" charset="0"/>
-              </a:rPr>
-              <a:t>			17: Using the if-else Syntax</a:t>
-            </a:r>
           </a:p>
         </p:txBody>
       </p:sp>
     </p:spTree>
     <p:extLst>
       <p:ext uri="{BB962C8B-B14F-4D97-AF65-F5344CB8AC3E}">
-        <p14:creationId xmlns:p14="http://schemas.microsoft.com/office/powerpoint/2010/main" val="3808457878"/>
+        <p14:creationId xmlns:p14="http://schemas.microsoft.com/office/powerpoint/2010/main" val="2490555963"/>
       </p:ext>
     </p:extLst>
   </p:cSld>
